--- a/Applied Data Science - Regression.pptx
+++ b/Applied Data Science - Regression.pptx
@@ -5,16 +5,25 @@
     <p:sldMasterId id="2147483833" r:id="rId1"/>
   </p:sldMasterIdLst>
   <p:notesMasterIdLst>
-    <p:notesMasterId r:id="rId9"/>
+    <p:notesMasterId r:id="rId18"/>
   </p:notesMasterIdLst>
   <p:sldIdLst>
     <p:sldId id="256" r:id="rId2"/>
-    <p:sldId id="310" r:id="rId3"/>
-    <p:sldId id="311" r:id="rId4"/>
-    <p:sldId id="312" r:id="rId5"/>
-    <p:sldId id="313" r:id="rId6"/>
-    <p:sldId id="315" r:id="rId7"/>
-    <p:sldId id="314" r:id="rId8"/>
+    <p:sldId id="318" r:id="rId3"/>
+    <p:sldId id="337" r:id="rId4"/>
+    <p:sldId id="336" r:id="rId5"/>
+    <p:sldId id="342" r:id="rId6"/>
+    <p:sldId id="323" r:id="rId7"/>
+    <p:sldId id="338" r:id="rId8"/>
+    <p:sldId id="324" r:id="rId9"/>
+    <p:sldId id="325" r:id="rId10"/>
+    <p:sldId id="340" r:id="rId11"/>
+    <p:sldId id="341" r:id="rId12"/>
+    <p:sldId id="315" r:id="rId13"/>
+    <p:sldId id="339" r:id="rId14"/>
+    <p:sldId id="328" r:id="rId15"/>
+    <p:sldId id="329" r:id="rId16"/>
+    <p:sldId id="332" r:id="rId17"/>
   </p:sldIdLst>
   <p:sldSz cx="12192000" cy="6858000"/>
   <p:notesSz cx="6858000" cy="9144000"/>
@@ -203,7 +212,7 @@
           <a:p>
             <a:fld id="{F1D2C95C-E6C5-47EE-A945-EBB416EE6C3F}" type="datetimeFigureOut">
               <a:rPr lang="en-US" smtClean="0"/>
-              <a:t>4/30/2017</a:t>
+              <a:t>5/8/2017</a:t>
             </a:fld>
             <a:endParaRPr lang="en-US"/>
           </a:p>
@@ -515,14 +524,30 @@
           <a:bodyPr/>
           <a:lstStyle/>
           <a:p>
+            <a:pPr marL="0" marR="0" indent="0" algn="l" defTabSz="914400" rtl="0" eaLnBrk="1" fontAlgn="auto" latinLnBrk="0" hangingPunct="1">
+              <a:lnSpc>
+                <a:spcPct val="100000"/>
+              </a:lnSpc>
+              <a:spcBef>
+                <a:spcPts val="0"/>
+              </a:spcBef>
+              <a:spcAft>
+                <a:spcPts val="0"/>
+              </a:spcAft>
+              <a:buClrTx/>
+              <a:buSzTx/>
+              <a:buFontTx/>
+              <a:buNone/>
+              <a:tabLst/>
+              <a:defRPr/>
+            </a:pPr>
             <a:r>
               <a:rPr lang="en-US" dirty="0" smtClean="0"/>
-              <a:t>Many variables –</a:t>
-            </a:r>
-            <a:r>
-              <a:rPr lang="en-US" baseline="0" dirty="0" smtClean="0"/>
-              <a:t> large chances of significant p-value with a type 1 error.</a:t>
-            </a:r>
+              <a:t>https://www.analyticsvidhya.com/wp-content/uploads/2016/08/MLalgorithms-.pdf</a:t>
+            </a:r>
+            <a:endParaRPr lang="he-IL" dirty="0" smtClean="0"/>
+          </a:p>
+          <a:p>
             <a:endParaRPr lang="he-IL" dirty="0"/>
           </a:p>
         </p:txBody>
@@ -544,7 +569,7 @@
           <a:p>
             <a:fld id="{EF941387-0482-4AF6-9996-23A3E24C4593}" type="slidenum">
               <a:rPr lang="en-US" smtClean="0"/>
-              <a:t>2</a:t>
+              <a:t>3</a:t>
             </a:fld>
             <a:endParaRPr lang="en-US"/>
           </a:p>
@@ -553,7 +578,7 @@
     </p:spTree>
     <p:extLst>
       <p:ext uri="{BB962C8B-B14F-4D97-AF65-F5344CB8AC3E}">
-        <p14:creationId xmlns:p14="http://schemas.microsoft.com/office/powerpoint/2010/main" val="4287177067"/>
+        <p14:creationId xmlns:p14="http://schemas.microsoft.com/office/powerpoint/2010/main" val="4281179131"/>
       </p:ext>
     </p:extLst>
   </p:cSld>
@@ -582,7 +607,7 @@
       </p:grpSpPr>
       <p:sp>
         <p:nvSpPr>
-          <p:cNvPr id="2" name="Slide Image Placeholder 1"/>
+          <p:cNvPr id="25602" name="Slide Image Placeholder 1"/>
           <p:cNvSpPr>
             <a:spLocks noGrp="1" noRot="1" noChangeAspect="1"/>
           </p:cNvSpPr>
@@ -590,11 +615,13 @@
             <p:ph type="sldImg"/>
           </p:nvPr>
         </p:nvSpPr>
-        <p:spPr/>
-      </p:sp>
-      <p:sp>
-        <p:nvSpPr>
-          <p:cNvPr id="3" name="Notes Placeholder 2"/>
+        <p:spPr>
+          <a:ln/>
+        </p:spPr>
+      </p:sp>
+      <p:sp>
+        <p:nvSpPr>
+          <p:cNvPr id="25603" name="Notes Placeholder 2"/>
           <p:cNvSpPr>
             <a:spLocks noGrp="1"/>
           </p:cNvSpPr>
@@ -602,50 +629,59 @@
             <p:ph type="body" idx="1"/>
           </p:nvPr>
         </p:nvSpPr>
-        <p:spPr/>
+        <p:spPr>
+          <a:noFill/>
+          <a:ln/>
+        </p:spPr>
         <p:txBody>
           <a:bodyPr/>
           <a:lstStyle/>
           <a:p>
             <a:r>
-              <a:rPr lang="en-US" dirty="0" smtClean="0"/>
-              <a:t>Source:</a:t>
-            </a:r>
-            <a:r>
-              <a:rPr lang="en-US" baseline="0" dirty="0" smtClean="0"/>
-              <a:t> http://www-bcf.usc.edu/~gareth/ISL/ISLR%20Sixth%20Printing.pdf</a:t>
-            </a:r>
-            <a:endParaRPr lang="he-IL" dirty="0"/>
-          </a:p>
-        </p:txBody>
-      </p:sp>
-      <p:sp>
-        <p:nvSpPr>
-          <p:cNvPr id="4" name="Slide Number Placeholder 3"/>
-          <p:cNvSpPr>
-            <a:spLocks noGrp="1"/>
-          </p:cNvSpPr>
-          <p:nvPr>
-            <p:ph type="sldNum" sz="quarter" idx="10"/>
-          </p:nvPr>
-        </p:nvSpPr>
-        <p:spPr/>
+              <a:rPr lang="en-US" dirty="0" smtClean="0">
+                <a:latin typeface="Times New Roman" pitchFamily="1" charset="0"/>
+                <a:ea typeface="ＭＳ Ｐゴシック" pitchFamily="1" charset="-128"/>
+                <a:cs typeface="ＭＳ Ｐゴシック" pitchFamily="1" charset="-128"/>
+              </a:rPr>
+              <a:t>Dependent (output) variable rain.  Independent (input) variable: Clouds, umbrella open, etc.  Open-Umbrella is correlate, not causal.</a:t>
+            </a:r>
+          </a:p>
+        </p:txBody>
+      </p:sp>
+      <p:sp>
+        <p:nvSpPr>
+          <p:cNvPr id="25604" name="Slide Number Placeholder 3"/>
+          <p:cNvSpPr>
+            <a:spLocks noGrp="1"/>
+          </p:cNvSpPr>
+          <p:nvPr>
+            <p:ph type="sldNum" sz="quarter" idx="5"/>
+          </p:nvPr>
+        </p:nvSpPr>
+        <p:spPr>
+          <a:noFill/>
+        </p:spPr>
         <p:txBody>
           <a:bodyPr/>
           <a:lstStyle/>
           <a:p>
-            <a:fld id="{EF941387-0482-4AF6-9996-23A3E24C4593}" type="slidenum">
-              <a:rPr lang="en-US" smtClean="0"/>
-              <a:t>3</a:t>
+            <a:fld id="{29F5911A-E270-A741-BD90-4555EC5A1AFF}" type="slidenum">
+              <a:rPr lang="en-US" smtClean="0">
+                <a:latin typeface="Times New Roman" pitchFamily="1" charset="0"/>
+              </a:rPr>
+              <a:pPr/>
+              <a:t>10</a:t>
             </a:fld>
-            <a:endParaRPr lang="en-US"/>
+            <a:endParaRPr lang="en-US" smtClean="0">
+              <a:latin typeface="Times New Roman" pitchFamily="1" charset="0"/>
+            </a:endParaRPr>
           </a:p>
         </p:txBody>
       </p:sp>
     </p:spTree>
     <p:extLst>
       <p:ext uri="{BB962C8B-B14F-4D97-AF65-F5344CB8AC3E}">
-        <p14:creationId xmlns:p14="http://schemas.microsoft.com/office/powerpoint/2010/main" val="415954681"/>
+        <p14:creationId xmlns:p14="http://schemas.microsoft.com/office/powerpoint/2010/main" val="2781163756"/>
       </p:ext>
     </p:extLst>
   </p:cSld>
@@ -807,7 +843,7 @@
           <a:p>
             <a:fld id="{BF4D7DE9-04F8-4F0B-A692-02FE1DAE9F6D}" type="datetimeFigureOut">
               <a:rPr lang="en-US" smtClean="0"/>
-              <a:t>4/30/2017</a:t>
+              <a:t>5/8/2017</a:t>
             </a:fld>
             <a:endParaRPr lang="en-US"/>
           </a:p>
@@ -1072,7 +1108,7 @@
           <a:p>
             <a:fld id="{BF4D7DE9-04F8-4F0B-A692-02FE1DAE9F6D}" type="datetimeFigureOut">
               <a:rPr lang="en-US" smtClean="0"/>
-              <a:t>4/30/2017</a:t>
+              <a:t>5/8/2017</a:t>
             </a:fld>
             <a:endParaRPr lang="en-US"/>
           </a:p>
@@ -1252,7 +1288,7 @@
           <a:p>
             <a:fld id="{BF4D7DE9-04F8-4F0B-A692-02FE1DAE9F6D}" type="datetimeFigureOut">
               <a:rPr lang="en-US" smtClean="0"/>
-              <a:t>4/30/2017</a:t>
+              <a:t>5/8/2017</a:t>
             </a:fld>
             <a:endParaRPr lang="en-US"/>
           </a:p>
@@ -1348,9 +1384,9 @@
 </p:sldLayout>
 </file>
 
-<file path=ppt/slideLayouts/slideLayout2.xml><?xml version="1.0" encoding="utf-8"?>
-<p:sldLayout xmlns:a="http://schemas.openxmlformats.org/drawingml/2006/main" xmlns:r="http://schemas.openxmlformats.org/officeDocument/2006/relationships" xmlns:p="http://schemas.openxmlformats.org/presentationml/2006/main" type="obj" preserve="1">
-  <p:cSld name="Title and Content">
+<file path=ppt/slideLayouts/slideLayout12.xml><?xml version="1.0" encoding="utf-8"?>
+<p:sldLayout xmlns:a="http://schemas.openxmlformats.org/drawingml/2006/main" xmlns:r="http://schemas.openxmlformats.org/officeDocument/2006/relationships" xmlns:p="http://schemas.openxmlformats.org/presentationml/2006/main" showMasterSp="0" userDrawn="1">
+  <p:cSld name="1_Blank">
     <p:spTree>
       <p:nvGrpSpPr>
         <p:cNvPr id="1" name=""/>
@@ -1367,12 +1403,12 @@
       </p:grpSpPr>
       <p:sp>
         <p:nvSpPr>
-          <p:cNvPr id="2" name="Title 1"/>
-          <p:cNvSpPr>
-            <a:spLocks noGrp="1"/>
-          </p:cNvSpPr>
-          <p:nvPr>
-            <p:ph type="title"/>
+          <p:cNvPr id="2" name="Date Placeholder 1"/>
+          <p:cNvSpPr>
+            <a:spLocks noGrp="1"/>
+          </p:cNvSpPr>
+          <p:nvPr>
+            <p:ph type="dt" sz="half" idx="10"/>
           </p:nvPr>
         </p:nvSpPr>
         <p:spPr/>
@@ -1380,17 +1416,59 @@
           <a:bodyPr/>
           <a:lstStyle/>
           <a:p>
-            <a:r>
-              <a:rPr lang="en-US" smtClean="0"/>
-              <a:t>Click to edit Master title style</a:t>
-            </a:r>
+            <a:fld id="{BF4D7DE9-04F8-4F0B-A692-02FE1DAE9F6D}" type="datetimeFigureOut">
+              <a:rPr lang="en-US" smtClean="0"/>
+              <a:t>5/9/2017</a:t>
+            </a:fld>
+            <a:endParaRPr lang="en-US"/>
+          </a:p>
+        </p:txBody>
+      </p:sp>
+      <p:sp>
+        <p:nvSpPr>
+          <p:cNvPr id="3" name="Footer Placeholder 2"/>
+          <p:cNvSpPr>
+            <a:spLocks noGrp="1"/>
+          </p:cNvSpPr>
+          <p:nvPr>
+            <p:ph type="ftr" sz="quarter" idx="11"/>
+          </p:nvPr>
+        </p:nvSpPr>
+        <p:spPr/>
+        <p:txBody>
+          <a:bodyPr/>
+          <a:lstStyle/>
+          <a:p>
             <a:endParaRPr lang="en-US" dirty="0"/>
           </a:p>
         </p:txBody>
       </p:sp>
       <p:sp>
         <p:nvSpPr>
-          <p:cNvPr id="3" name="Content Placeholder 2"/>
+          <p:cNvPr id="4" name="Slide Number Placeholder 3"/>
+          <p:cNvSpPr>
+            <a:spLocks noGrp="1"/>
+          </p:cNvSpPr>
+          <p:nvPr>
+            <p:ph type="sldNum" sz="quarter" idx="12"/>
+          </p:nvPr>
+        </p:nvSpPr>
+        <p:spPr/>
+        <p:txBody>
+          <a:bodyPr/>
+          <a:lstStyle/>
+          <a:p>
+            <a:fld id="{0FB9EDC7-E302-4B6B-8533-25FE90236219}" type="slidenum">
+              <a:rPr lang="en-US" smtClean="0"/>
+              <a:t>‹#›</a:t>
+            </a:fld>
+            <a:endParaRPr lang="en-US"/>
+          </a:p>
+        </p:txBody>
+      </p:sp>
+      <p:sp>
+        <p:nvSpPr>
+          <p:cNvPr id="5" name="Content Placeholder 2"/>
           <p:cNvSpPr>
             <a:spLocks noGrp="1"/>
           </p:cNvSpPr>
@@ -1398,7 +1476,12 @@
             <p:ph idx="1"/>
           </p:nvPr>
         </p:nvSpPr>
-        <p:spPr/>
+        <p:spPr>
+          <a:xfrm>
+            <a:off x="162560" y="213360"/>
+            <a:ext cx="11805920" cy="6553200"/>
+          </a:xfrm>
+        </p:spPr>
         <p:txBody>
           <a:bodyPr/>
           <a:lstStyle>
@@ -1431,49 +1514,84 @@
           <a:p>
             <a:pPr lvl="0"/>
             <a:r>
-              <a:rPr lang="en-US" smtClean="0"/>
+              <a:rPr lang="en-US" dirty="0" smtClean="0"/>
               <a:t>Click to edit Master text styles</a:t>
             </a:r>
           </a:p>
           <a:p>
             <a:pPr lvl="1"/>
             <a:r>
-              <a:rPr lang="en-US" smtClean="0"/>
+              <a:rPr lang="en-US" dirty="0" smtClean="0"/>
               <a:t>Second level</a:t>
             </a:r>
           </a:p>
           <a:p>
             <a:pPr lvl="2"/>
             <a:r>
-              <a:rPr lang="en-US" smtClean="0"/>
+              <a:rPr lang="en-US" dirty="0" smtClean="0"/>
               <a:t>Third level</a:t>
             </a:r>
           </a:p>
           <a:p>
             <a:pPr lvl="3"/>
             <a:r>
-              <a:rPr lang="en-US" smtClean="0"/>
+              <a:rPr lang="en-US" dirty="0" smtClean="0"/>
               <a:t>Fourth level</a:t>
             </a:r>
           </a:p>
           <a:p>
             <a:pPr lvl="4"/>
             <a:r>
-              <a:rPr lang="en-US" smtClean="0"/>
+              <a:rPr lang="en-US" dirty="0" smtClean="0"/>
               <a:t>Fifth level</a:t>
             </a:r>
             <a:endParaRPr lang="en-US" dirty="0"/>
           </a:p>
         </p:txBody>
       </p:sp>
-      <p:sp>
-        <p:nvSpPr>
-          <p:cNvPr id="4" name="Date Placeholder 3"/>
-          <p:cNvSpPr>
-            <a:spLocks noGrp="1"/>
-          </p:cNvSpPr>
-          <p:nvPr>
-            <p:ph type="dt" sz="half" idx="10"/>
+    </p:spTree>
+    <p:extLst>
+      <p:ext uri="{BB962C8B-B14F-4D97-AF65-F5344CB8AC3E}">
+        <p14:creationId xmlns:p14="http://schemas.microsoft.com/office/powerpoint/2010/main" val="372275112"/>
+      </p:ext>
+    </p:extLst>
+  </p:cSld>
+  <p:clrMapOvr>
+    <a:masterClrMapping/>
+  </p:clrMapOvr>
+  <p:extLst mod="1">
+    <p:ext uri="{DCECCB84-F9BA-43D5-87BE-67443E8EF086}">
+      <p15:sldGuideLst xmlns:p15="http://schemas.microsoft.com/office/powerpoint/2012/main"/>
+    </p:ext>
+  </p:extLst>
+</p:sldLayout>
+</file>
+
+<file path=ppt/slideLayouts/slideLayout2.xml><?xml version="1.0" encoding="utf-8"?>
+<p:sldLayout xmlns:a="http://schemas.openxmlformats.org/drawingml/2006/main" xmlns:r="http://schemas.openxmlformats.org/officeDocument/2006/relationships" xmlns:p="http://schemas.openxmlformats.org/presentationml/2006/main" type="obj" preserve="1">
+  <p:cSld name="Title and Content">
+    <p:spTree>
+      <p:nvGrpSpPr>
+        <p:cNvPr id="1" name=""/>
+        <p:cNvGrpSpPr/>
+        <p:nvPr/>
+      </p:nvGrpSpPr>
+      <p:grpSpPr>
+        <a:xfrm>
+          <a:off x="0" y="0"/>
+          <a:ext cx="0" cy="0"/>
+          <a:chOff x="0" y="0"/>
+          <a:chExt cx="0" cy="0"/>
+        </a:xfrm>
+      </p:grpSpPr>
+      <p:sp>
+        <p:nvSpPr>
+          <p:cNvPr id="2" name="Title 1"/>
+          <p:cNvSpPr>
+            <a:spLocks noGrp="1"/>
+          </p:cNvSpPr>
+          <p:nvPr>
+            <p:ph type="title"/>
           </p:nvPr>
         </p:nvSpPr>
         <p:spPr/>
@@ -1481,9 +1599,110 @@
           <a:bodyPr/>
           <a:lstStyle/>
           <a:p>
+            <a:r>
+              <a:rPr lang="en-US" smtClean="0"/>
+              <a:t>Click to edit Master title style</a:t>
+            </a:r>
+            <a:endParaRPr lang="en-US" dirty="0"/>
+          </a:p>
+        </p:txBody>
+      </p:sp>
+      <p:sp>
+        <p:nvSpPr>
+          <p:cNvPr id="3" name="Content Placeholder 2"/>
+          <p:cNvSpPr>
+            <a:spLocks noGrp="1"/>
+          </p:cNvSpPr>
+          <p:nvPr>
+            <p:ph idx="1"/>
+          </p:nvPr>
+        </p:nvSpPr>
+        <p:spPr/>
+        <p:txBody>
+          <a:bodyPr/>
+          <a:lstStyle>
+            <a:lvl1pPr>
+              <a:defRPr>
+                <a:latin typeface="Calibri Light" panose="020F0302020204030204" pitchFamily="34" charset="0"/>
+              </a:defRPr>
+            </a:lvl1pPr>
+            <a:lvl2pPr>
+              <a:defRPr>
+                <a:latin typeface="Calibri Light" panose="020F0302020204030204" pitchFamily="34" charset="0"/>
+              </a:defRPr>
+            </a:lvl2pPr>
+            <a:lvl3pPr>
+              <a:defRPr>
+                <a:latin typeface="Calibri Light" panose="020F0302020204030204" pitchFamily="34" charset="0"/>
+              </a:defRPr>
+            </a:lvl3pPr>
+            <a:lvl4pPr>
+              <a:defRPr>
+                <a:latin typeface="Calibri Light" panose="020F0302020204030204" pitchFamily="34" charset="0"/>
+              </a:defRPr>
+            </a:lvl4pPr>
+            <a:lvl5pPr>
+              <a:defRPr>
+                <a:latin typeface="Calibri Light" panose="020F0302020204030204" pitchFamily="34" charset="0"/>
+              </a:defRPr>
+            </a:lvl5pPr>
+          </a:lstStyle>
+          <a:p>
+            <a:pPr lvl="0"/>
+            <a:r>
+              <a:rPr lang="en-US" smtClean="0"/>
+              <a:t>Click to edit Master text styles</a:t>
+            </a:r>
+          </a:p>
+          <a:p>
+            <a:pPr lvl="1"/>
+            <a:r>
+              <a:rPr lang="en-US" smtClean="0"/>
+              <a:t>Second level</a:t>
+            </a:r>
+          </a:p>
+          <a:p>
+            <a:pPr lvl="2"/>
+            <a:r>
+              <a:rPr lang="en-US" smtClean="0"/>
+              <a:t>Third level</a:t>
+            </a:r>
+          </a:p>
+          <a:p>
+            <a:pPr lvl="3"/>
+            <a:r>
+              <a:rPr lang="en-US" smtClean="0"/>
+              <a:t>Fourth level</a:t>
+            </a:r>
+          </a:p>
+          <a:p>
+            <a:pPr lvl="4"/>
+            <a:r>
+              <a:rPr lang="en-US" smtClean="0"/>
+              <a:t>Fifth level</a:t>
+            </a:r>
+            <a:endParaRPr lang="en-US" dirty="0"/>
+          </a:p>
+        </p:txBody>
+      </p:sp>
+      <p:sp>
+        <p:nvSpPr>
+          <p:cNvPr id="4" name="Date Placeholder 3"/>
+          <p:cNvSpPr>
+            <a:spLocks noGrp="1"/>
+          </p:cNvSpPr>
+          <p:nvPr>
+            <p:ph type="dt" sz="half" idx="10"/>
+          </p:nvPr>
+        </p:nvSpPr>
+        <p:spPr/>
+        <p:txBody>
+          <a:bodyPr/>
+          <a:lstStyle/>
+          <a:p>
             <a:fld id="{BF4D7DE9-04F8-4F0B-A692-02FE1DAE9F6D}" type="datetimeFigureOut">
               <a:rPr lang="en-US" smtClean="0"/>
-              <a:t>4/30/2017</a:t>
+              <a:t>5/8/2017</a:t>
             </a:fld>
             <a:endParaRPr lang="en-US"/>
           </a:p>
@@ -1747,7 +1966,7 @@
           <a:p>
             <a:fld id="{BF4D7DE9-04F8-4F0B-A692-02FE1DAE9F6D}" type="datetimeFigureOut">
               <a:rPr lang="en-US" smtClean="0"/>
-              <a:t>4/30/2017</a:t>
+              <a:t>5/8/2017</a:t>
             </a:fld>
             <a:endParaRPr lang="en-US"/>
           </a:p>
@@ -2126,7 +2345,7 @@
           <a:p>
             <a:fld id="{BF4D7DE9-04F8-4F0B-A692-02FE1DAE9F6D}" type="datetimeFigureOut">
               <a:rPr lang="en-US" smtClean="0"/>
-              <a:t>4/30/2017</a:t>
+              <a:t>5/8/2017</a:t>
             </a:fld>
             <a:endParaRPr lang="en-US"/>
           </a:p>
@@ -2583,7 +2802,7 @@
           <a:p>
             <a:fld id="{BF4D7DE9-04F8-4F0B-A692-02FE1DAE9F6D}" type="datetimeFigureOut">
               <a:rPr lang="en-US" smtClean="0"/>
-              <a:t>4/30/2017</a:t>
+              <a:t>5/8/2017</a:t>
             </a:fld>
             <a:endParaRPr lang="en-US"/>
           </a:p>
@@ -2708,7 +2927,7 @@
           <a:p>
             <a:fld id="{BF4D7DE9-04F8-4F0B-A692-02FE1DAE9F6D}" type="datetimeFigureOut">
               <a:rPr lang="en-US" smtClean="0"/>
-              <a:t>4/30/2017</a:t>
+              <a:t>5/8/2017</a:t>
             </a:fld>
             <a:endParaRPr lang="en-US"/>
           </a:p>
@@ -2810,7 +3029,7 @@
           <a:p>
             <a:fld id="{BF4D7DE9-04F8-4F0B-A692-02FE1DAE9F6D}" type="datetimeFigureOut">
               <a:rPr lang="en-US" smtClean="0"/>
-              <a:t>4/30/2017</a:t>
+              <a:t>5/8/2017</a:t>
             </a:fld>
             <a:endParaRPr lang="en-US"/>
           </a:p>
@@ -3105,7 +3324,7 @@
           <a:p>
             <a:fld id="{BF4D7DE9-04F8-4F0B-A692-02FE1DAE9F6D}" type="datetimeFigureOut">
               <a:rPr lang="en-US" smtClean="0"/>
-              <a:t>4/30/2017</a:t>
+              <a:t>5/8/2017</a:t>
             </a:fld>
             <a:endParaRPr lang="en-US"/>
           </a:p>
@@ -3390,7 +3609,7 @@
           <a:p>
             <a:fld id="{BF4D7DE9-04F8-4F0B-A692-02FE1DAE9F6D}" type="datetimeFigureOut">
               <a:rPr lang="en-US" smtClean="0"/>
-              <a:t>4/30/2017</a:t>
+              <a:t>5/8/2017</a:t>
             </a:fld>
             <a:endParaRPr lang="en-US"/>
           </a:p>
@@ -3640,7 +3859,7 @@
           <a:p>
             <a:fld id="{BF4D7DE9-04F8-4F0B-A692-02FE1DAE9F6D}" type="datetimeFigureOut">
               <a:rPr lang="en-US" smtClean="0"/>
-              <a:t>4/30/2017</a:t>
+              <a:t>5/8/2017</a:t>
             </a:fld>
             <a:endParaRPr lang="en-US"/>
           </a:p>
@@ -3783,6 +4002,7 @@
     <p:sldLayoutId id="2147483842" r:id="rId9"/>
     <p:sldLayoutId id="2147483843" r:id="rId10"/>
     <p:sldLayoutId id="2147483844" r:id="rId11"/>
+    <p:sldLayoutId id="2147483845" r:id="rId12"/>
   </p:sldLayoutIdLst>
   <p:timing>
     <p:tnLst>
@@ -4263,6 +4483,2018 @@
 </p:sld>
 </file>
 
+<file path=ppt/slides/slide10.xml><?xml version="1.0" encoding="utf-8"?>
+<p:sld xmlns:a="http://schemas.openxmlformats.org/drawingml/2006/main" xmlns:r="http://schemas.openxmlformats.org/officeDocument/2006/relationships" xmlns:p="http://schemas.openxmlformats.org/presentationml/2006/main">
+  <p:cSld>
+    <p:spTree>
+      <p:nvGrpSpPr>
+        <p:cNvPr id="1" name=""/>
+        <p:cNvGrpSpPr/>
+        <p:nvPr/>
+      </p:nvGrpSpPr>
+      <p:grpSpPr>
+        <a:xfrm>
+          <a:off x="0" y="0"/>
+          <a:ext cx="0" cy="0"/>
+          <a:chOff x="0" y="0"/>
+          <a:chExt cx="0" cy="0"/>
+        </a:xfrm>
+      </p:grpSpPr>
+      <p:sp>
+        <p:nvSpPr>
+          <p:cNvPr id="2" name="Title 1"/>
+          <p:cNvSpPr>
+            <a:spLocks noGrp="1"/>
+          </p:cNvSpPr>
+          <p:nvPr>
+            <p:ph type="title"/>
+          </p:nvPr>
+        </p:nvSpPr>
+        <p:spPr/>
+        <p:txBody>
+          <a:bodyPr/>
+          <a:lstStyle/>
+          <a:p>
+            <a:pPr>
+              <a:defRPr/>
+            </a:pPr>
+            <a:r>
+              <a:rPr lang="en-US" dirty="0" smtClean="0"/>
+              <a:t>Interpretability</a:t>
+            </a:r>
+            <a:endParaRPr lang="en-US" dirty="0"/>
+          </a:p>
+        </p:txBody>
+      </p:sp>
+      <p:sp>
+        <p:nvSpPr>
+          <p:cNvPr id="3" name="Content Placeholder 2"/>
+          <p:cNvSpPr>
+            <a:spLocks noGrp="1"/>
+          </p:cNvSpPr>
+          <p:nvPr>
+            <p:ph idx="1"/>
+          </p:nvPr>
+        </p:nvSpPr>
+        <p:spPr/>
+        <p:txBody>
+          <a:bodyPr>
+            <a:normAutofit/>
+          </a:bodyPr>
+          <a:lstStyle/>
+          <a:p>
+            <a:pPr marL="0" indent="0">
+              <a:buNone/>
+              <a:defRPr/>
+            </a:pPr>
+            <a:r>
+              <a:rPr lang="en-US" dirty="0" smtClean="0"/>
+              <a:t>The </a:t>
+            </a:r>
+            <a:r>
+              <a:rPr lang="en-US" dirty="0" smtClean="0"/>
+              <a:t>variables with the largest magnitude have the highest correlation with the output</a:t>
+            </a:r>
+          </a:p>
+          <a:p>
+            <a:pPr lvl="1">
+              <a:defRPr/>
+            </a:pPr>
+            <a:r>
+              <a:rPr lang="en-US" dirty="0" smtClean="0"/>
+              <a:t>A large positive coefficient implies that the output will increase when this input is increased (positively correlated)</a:t>
+            </a:r>
+          </a:p>
+          <a:p>
+            <a:pPr lvl="1">
+              <a:defRPr/>
+            </a:pPr>
+            <a:r>
+              <a:rPr lang="en-US" dirty="0" smtClean="0"/>
+              <a:t>A large negative coefficient implies that the output will decrease when this input is increased (negatively correlated)</a:t>
+            </a:r>
+          </a:p>
+          <a:p>
+            <a:pPr lvl="1">
+              <a:defRPr/>
+            </a:pPr>
+            <a:r>
+              <a:rPr lang="en-US" dirty="0" smtClean="0"/>
+              <a:t>A small or 0 coefficient suggests that the input is uncorrelated with the output (at least at the 1</a:t>
+            </a:r>
+            <a:r>
+              <a:rPr lang="en-US" baseline="30000" dirty="0" smtClean="0"/>
+              <a:t>st</a:t>
+            </a:r>
+            <a:r>
+              <a:rPr lang="en-US" dirty="0" smtClean="0"/>
+              <a:t> order)</a:t>
+            </a:r>
+          </a:p>
+          <a:p>
+            <a:pPr marL="0" indent="0">
+              <a:buNone/>
+              <a:defRPr/>
+            </a:pPr>
+            <a:r>
+              <a:rPr lang="en-US" dirty="0" smtClean="0"/>
+              <a:t>Linear regression can be used to find best "indicators"</a:t>
+            </a:r>
+          </a:p>
+          <a:p>
+            <a:pPr marL="0" indent="0">
+              <a:buNone/>
+              <a:defRPr/>
+            </a:pPr>
+            <a:r>
+              <a:rPr lang="en-US" dirty="0" smtClean="0"/>
+              <a:t>Remember - Correlation doesn’t imply causation!</a:t>
+            </a:r>
+          </a:p>
+          <a:p>
+            <a:pPr marL="870966" lvl="2" indent="-514350">
+              <a:lnSpc>
+                <a:spcPct val="120000"/>
+              </a:lnSpc>
+              <a:spcBef>
+                <a:spcPts val="0"/>
+              </a:spcBef>
+              <a:spcAft>
+                <a:spcPts val="600"/>
+              </a:spcAft>
+              <a:buFont typeface="+mj-lt"/>
+              <a:buAutoNum type="arabicPeriod"/>
+            </a:pPr>
+            <a:r>
+              <a:rPr lang="en-US" dirty="0"/>
+              <a:t>Do ice cream sales lead to more drowning events?</a:t>
+            </a:r>
+          </a:p>
+          <a:p>
+            <a:pPr marL="870966" lvl="2" indent="-514350">
+              <a:lnSpc>
+                <a:spcPct val="120000"/>
+              </a:lnSpc>
+              <a:spcBef>
+                <a:spcPts val="0"/>
+              </a:spcBef>
+              <a:spcAft>
+                <a:spcPts val="600"/>
+              </a:spcAft>
+              <a:buFont typeface="+mj-lt"/>
+              <a:buAutoNum type="arabicPeriod"/>
+            </a:pPr>
+            <a:r>
+              <a:rPr lang="en-US" dirty="0"/>
+              <a:t>Big problem with big data – when having many variables</a:t>
+            </a:r>
+            <a:endParaRPr lang="en-US" dirty="0" smtClean="0"/>
+          </a:p>
+          <a:p>
+            <a:pPr lvl="1">
+              <a:defRPr/>
+            </a:pPr>
+            <a:endParaRPr lang="en-US" dirty="0"/>
+          </a:p>
+        </p:txBody>
+      </p:sp>
+      <p:sp>
+        <p:nvSpPr>
+          <p:cNvPr id="24580" name="Footer Placeholder 3"/>
+          <p:cNvSpPr>
+            <a:spLocks noGrp="1"/>
+          </p:cNvSpPr>
+          <p:nvPr>
+            <p:ph type="ftr" sz="quarter" idx="11"/>
+          </p:nvPr>
+        </p:nvSpPr>
+        <p:spPr>
+          <a:noFill/>
+        </p:spPr>
+        <p:txBody>
+          <a:bodyPr/>
+          <a:lstStyle/>
+          <a:p>
+            <a:r>
+              <a:rPr lang="en-US" smtClean="0">
+                <a:latin typeface="Times New Roman" pitchFamily="1" charset="0"/>
+              </a:rPr>
+              <a:t>CS 478 - Regression</a:t>
+            </a:r>
+          </a:p>
+        </p:txBody>
+      </p:sp>
+      <p:sp>
+        <p:nvSpPr>
+          <p:cNvPr id="24581" name="Slide Number Placeholder 4"/>
+          <p:cNvSpPr>
+            <a:spLocks noGrp="1"/>
+          </p:cNvSpPr>
+          <p:nvPr>
+            <p:ph type="sldNum" sz="quarter" idx="12"/>
+          </p:nvPr>
+        </p:nvSpPr>
+        <p:spPr>
+          <a:noFill/>
+        </p:spPr>
+        <p:txBody>
+          <a:bodyPr/>
+          <a:lstStyle/>
+          <a:p>
+            <a:fld id="{EA8C2C8C-2DEF-BF43-B158-C4052D0E7101}" type="slidenum">
+              <a:rPr lang="en-US" smtClean="0">
+                <a:latin typeface="Times New Roman" pitchFamily="1" charset="0"/>
+              </a:rPr>
+              <a:pPr/>
+              <a:t>10</a:t>
+            </a:fld>
+            <a:endParaRPr lang="en-US" smtClean="0">
+              <a:latin typeface="Times New Roman" pitchFamily="1" charset="0"/>
+            </a:endParaRPr>
+          </a:p>
+        </p:txBody>
+      </p:sp>
+    </p:spTree>
+    <p:extLst>
+      <p:ext uri="{BB962C8B-B14F-4D97-AF65-F5344CB8AC3E}">
+        <p14:creationId xmlns:p14="http://schemas.microsoft.com/office/powerpoint/2010/main" val="1258752963"/>
+      </p:ext>
+    </p:extLst>
+  </p:cSld>
+  <p:clrMapOvr>
+    <a:masterClrMapping/>
+  </p:clrMapOvr>
+</p:sld>
+</file>
+
+<file path=ppt/slides/slide11.xml><?xml version="1.0" encoding="utf-8"?>
+<p:sld xmlns:a="http://schemas.openxmlformats.org/drawingml/2006/main" xmlns:r="http://schemas.openxmlformats.org/officeDocument/2006/relationships" xmlns:p="http://schemas.openxmlformats.org/presentationml/2006/main">
+  <p:cSld>
+    <p:spTree>
+      <p:nvGrpSpPr>
+        <p:cNvPr id="1" name=""/>
+        <p:cNvGrpSpPr/>
+        <p:nvPr/>
+      </p:nvGrpSpPr>
+      <p:grpSpPr>
+        <a:xfrm>
+          <a:off x="0" y="0"/>
+          <a:ext cx="0" cy="0"/>
+          <a:chOff x="0" y="0"/>
+          <a:chExt cx="0" cy="0"/>
+        </a:xfrm>
+      </p:grpSpPr>
+      <p:sp>
+        <p:nvSpPr>
+          <p:cNvPr id="2" name="Title 1"/>
+          <p:cNvSpPr>
+            <a:spLocks noGrp="1"/>
+          </p:cNvSpPr>
+          <p:nvPr>
+            <p:ph type="title"/>
+          </p:nvPr>
+        </p:nvSpPr>
+        <p:spPr/>
+        <p:txBody>
+          <a:bodyPr/>
+          <a:lstStyle/>
+          <a:p>
+            <a:r>
+              <a:rPr lang="en-US" dirty="0"/>
+              <a:t>Regression Evaluation </a:t>
+            </a:r>
+            <a:r>
+              <a:rPr lang="en-US" dirty="0" smtClean="0"/>
+              <a:t>Measures</a:t>
+            </a:r>
+            <a:endParaRPr lang="he-IL" dirty="0"/>
+          </a:p>
+        </p:txBody>
+      </p:sp>
+      <p:sp>
+        <p:nvSpPr>
+          <p:cNvPr id="3" name="Content Placeholder 2"/>
+          <p:cNvSpPr>
+            <a:spLocks noGrp="1"/>
+          </p:cNvSpPr>
+          <p:nvPr>
+            <p:ph idx="1"/>
+          </p:nvPr>
+        </p:nvSpPr>
+        <p:spPr/>
+        <p:txBody>
+          <a:bodyPr/>
+          <a:lstStyle/>
+          <a:p>
+            <a:r>
+              <a:rPr lang="en-US" b="1" i="1" dirty="0" smtClean="0"/>
+              <a:t>callable </a:t>
+            </a:r>
+            <a:r>
+              <a:rPr lang="en-US" b="1" i="1" dirty="0"/>
+              <a:t>string </a:t>
+            </a:r>
+            <a:r>
+              <a:rPr lang="en-US" b="1" i="1" dirty="0" smtClean="0"/>
+              <a:t>			function</a:t>
+            </a:r>
+            <a:endParaRPr lang="en-US" b="1" i="1" dirty="0"/>
+          </a:p>
+          <a:p>
+            <a:r>
+              <a:rPr lang="en-US" dirty="0" err="1"/>
+              <a:t>mean_absolute_error</a:t>
+            </a:r>
+            <a:r>
+              <a:rPr lang="en-US" dirty="0"/>
+              <a:t> </a:t>
+            </a:r>
+            <a:r>
+              <a:rPr lang="en-US" dirty="0" smtClean="0"/>
+              <a:t>		</a:t>
+            </a:r>
+            <a:r>
+              <a:rPr lang="en-US" dirty="0" err="1" smtClean="0"/>
+              <a:t>sklearn.metrics.mean_absolute_error</a:t>
+            </a:r>
+            <a:endParaRPr lang="en-US" dirty="0"/>
+          </a:p>
+          <a:p>
+            <a:r>
+              <a:rPr lang="en-US" dirty="0" err="1"/>
+              <a:t>mean_squared_error</a:t>
+            </a:r>
+            <a:r>
+              <a:rPr lang="en-US" dirty="0"/>
+              <a:t> </a:t>
+            </a:r>
+            <a:r>
+              <a:rPr lang="en-US" dirty="0" smtClean="0"/>
+              <a:t>		</a:t>
+            </a:r>
+            <a:r>
+              <a:rPr lang="en-US" dirty="0" err="1" smtClean="0"/>
+              <a:t>sklearn.metrics.mean_squared_error</a:t>
+            </a:r>
+            <a:endParaRPr lang="en-US" dirty="0"/>
+          </a:p>
+          <a:p>
+            <a:r>
+              <a:rPr lang="en-US" dirty="0"/>
+              <a:t>r2 </a:t>
+            </a:r>
+            <a:r>
+              <a:rPr lang="en-US" dirty="0" smtClean="0"/>
+              <a:t>				sklearn.metrics.r2_score</a:t>
+            </a:r>
+            <a:endParaRPr lang="he-IL" dirty="0"/>
+          </a:p>
+        </p:txBody>
+      </p:sp>
+    </p:spTree>
+    <p:extLst>
+      <p:ext uri="{BB962C8B-B14F-4D97-AF65-F5344CB8AC3E}">
+        <p14:creationId xmlns:p14="http://schemas.microsoft.com/office/powerpoint/2010/main" val="850401796"/>
+      </p:ext>
+    </p:extLst>
+  </p:cSld>
+  <p:clrMapOvr>
+    <a:masterClrMapping/>
+  </p:clrMapOvr>
+</p:sld>
+</file>
+
+<file path=ppt/slides/slide12.xml><?xml version="1.0" encoding="utf-8"?>
+<p:sld xmlns:a="http://schemas.openxmlformats.org/drawingml/2006/main" xmlns:r="http://schemas.openxmlformats.org/officeDocument/2006/relationships" xmlns:p="http://schemas.openxmlformats.org/presentationml/2006/main">
+  <p:cSld>
+    <p:spTree>
+      <p:nvGrpSpPr>
+        <p:cNvPr id="1" name=""/>
+        <p:cNvGrpSpPr/>
+        <p:nvPr/>
+      </p:nvGrpSpPr>
+      <p:grpSpPr>
+        <a:xfrm>
+          <a:off x="0" y="0"/>
+          <a:ext cx="0" cy="0"/>
+          <a:chOff x="0" y="0"/>
+          <a:chExt cx="0" cy="0"/>
+        </a:xfrm>
+      </p:grpSpPr>
+      <p:sp>
+        <p:nvSpPr>
+          <p:cNvPr id="2" name="Title 1"/>
+          <p:cNvSpPr>
+            <a:spLocks noGrp="1"/>
+          </p:cNvSpPr>
+          <p:nvPr>
+            <p:ph type="title"/>
+          </p:nvPr>
+        </p:nvSpPr>
+        <p:spPr/>
+        <p:txBody>
+          <a:bodyPr/>
+          <a:lstStyle/>
+          <a:p>
+            <a:r>
+              <a:rPr lang="en-US" dirty="0" smtClean="0"/>
+              <a:t>Limitations</a:t>
+            </a:r>
+            <a:endParaRPr lang="he-IL" dirty="0"/>
+          </a:p>
+        </p:txBody>
+      </p:sp>
+      <p:sp>
+        <p:nvSpPr>
+          <p:cNvPr id="3" name="Content Placeholder 2"/>
+          <p:cNvSpPr>
+            <a:spLocks noGrp="1"/>
+          </p:cNvSpPr>
+          <p:nvPr>
+            <p:ph idx="1"/>
+          </p:nvPr>
+        </p:nvSpPr>
+        <p:spPr/>
+        <p:txBody>
+          <a:bodyPr/>
+          <a:lstStyle/>
+          <a:p>
+            <a:pPr marL="457200" indent="-457200">
+              <a:buFont typeface="+mj-lt"/>
+              <a:buAutoNum type="arabicPeriod"/>
+            </a:pPr>
+            <a:r>
+              <a:rPr lang="en-US" dirty="0" smtClean="0"/>
+              <a:t>Can only model numeric data</a:t>
+            </a:r>
+          </a:p>
+          <a:p>
+            <a:pPr marL="457200" indent="-457200">
+              <a:buFont typeface="+mj-lt"/>
+              <a:buAutoNum type="arabicPeriod"/>
+            </a:pPr>
+            <a:r>
+              <a:rPr lang="en-US" dirty="0" smtClean="0"/>
+              <a:t>Doesn’t </a:t>
+            </a:r>
+            <a:r>
+              <a:rPr lang="en-US" dirty="0" smtClean="0"/>
+              <a:t>handle missing values well</a:t>
+            </a:r>
+          </a:p>
+          <a:p>
+            <a:pPr marL="457200" indent="-457200">
+              <a:buFont typeface="+mj-lt"/>
+              <a:buAutoNum type="arabicPeriod"/>
+            </a:pPr>
+            <a:r>
+              <a:rPr lang="en-US" dirty="0" smtClean="0"/>
+              <a:t>Sensitive to outliers</a:t>
+            </a:r>
+          </a:p>
+          <a:p>
+            <a:pPr marL="457200" indent="-457200">
+              <a:buFont typeface="+mj-lt"/>
+              <a:buAutoNum type="arabicPeriod"/>
+            </a:pPr>
+            <a:r>
+              <a:rPr lang="en-US" dirty="0" smtClean="0"/>
+              <a:t>Assumes linear </a:t>
+            </a:r>
+            <a:r>
+              <a:rPr lang="en-US" dirty="0" smtClean="0"/>
+              <a:t>relationships</a:t>
+            </a:r>
+          </a:p>
+          <a:p>
+            <a:pPr marL="457200" indent="-457200">
+              <a:buFont typeface="+mj-lt"/>
+              <a:buAutoNum type="arabicPeriod"/>
+            </a:pPr>
+            <a:r>
+              <a:rPr lang="en-US" dirty="0" smtClean="0"/>
+              <a:t>Assumes errors are distributed normally with constant variance (if not, apply transformations)</a:t>
+            </a:r>
+            <a:endParaRPr lang="en-US" dirty="0" smtClean="0"/>
+          </a:p>
+          <a:p>
+            <a:pPr marL="457200" indent="-457200">
+              <a:buFont typeface="+mj-lt"/>
+              <a:buAutoNum type="arabicPeriod"/>
+            </a:pPr>
+            <a:r>
+              <a:rPr lang="en-US" dirty="0" smtClean="0"/>
+              <a:t>Doesn’t handle </a:t>
+            </a:r>
+            <a:r>
+              <a:rPr lang="en-US" dirty="0" err="1" smtClean="0"/>
+              <a:t>collinearity</a:t>
+            </a:r>
+            <a:r>
+              <a:rPr lang="en-US" dirty="0" smtClean="0"/>
+              <a:t> </a:t>
+            </a:r>
+            <a:r>
+              <a:rPr lang="en-US" dirty="0" smtClean="0"/>
+              <a:t>well</a:t>
+            </a:r>
+          </a:p>
+          <a:p>
+            <a:endParaRPr lang="en-US" dirty="0" smtClean="0"/>
+          </a:p>
+        </p:txBody>
+      </p:sp>
+    </p:spTree>
+    <p:extLst>
+      <p:ext uri="{BB962C8B-B14F-4D97-AF65-F5344CB8AC3E}">
+        <p14:creationId xmlns:p14="http://schemas.microsoft.com/office/powerpoint/2010/main" val="2370578790"/>
+      </p:ext>
+    </p:extLst>
+  </p:cSld>
+  <p:clrMapOvr>
+    <a:masterClrMapping/>
+  </p:clrMapOvr>
+</p:sld>
+</file>
+
+<file path=ppt/slides/slide13.xml><?xml version="1.0" encoding="utf-8"?>
+<p:sld xmlns:a="http://schemas.openxmlformats.org/drawingml/2006/main" xmlns:r="http://schemas.openxmlformats.org/officeDocument/2006/relationships" xmlns:p="http://schemas.openxmlformats.org/presentationml/2006/main">
+  <p:cSld>
+    <p:spTree>
+      <p:nvGrpSpPr>
+        <p:cNvPr id="1" name=""/>
+        <p:cNvGrpSpPr/>
+        <p:nvPr/>
+      </p:nvGrpSpPr>
+      <p:grpSpPr>
+        <a:xfrm>
+          <a:off x="0" y="0"/>
+          <a:ext cx="0" cy="0"/>
+          <a:chOff x="0" y="0"/>
+          <a:chExt cx="0" cy="0"/>
+        </a:xfrm>
+      </p:grpSpPr>
+      <p:sp>
+        <p:nvSpPr>
+          <p:cNvPr id="2" name="Title 1"/>
+          <p:cNvSpPr>
+            <a:spLocks noGrp="1"/>
+          </p:cNvSpPr>
+          <p:nvPr>
+            <p:ph type="title"/>
+          </p:nvPr>
+        </p:nvSpPr>
+        <p:spPr/>
+        <p:txBody>
+          <a:bodyPr/>
+          <a:lstStyle/>
+          <a:p>
+            <a:r>
+              <a:rPr lang="en-US" dirty="0" smtClean="0"/>
+              <a:t>Covariance</a:t>
+            </a:r>
+            <a:endParaRPr lang="he-IL" dirty="0"/>
+          </a:p>
+        </p:txBody>
+      </p:sp>
+      <p:sp>
+        <p:nvSpPr>
+          <p:cNvPr id="3" name="Content Placeholder 2"/>
+          <p:cNvSpPr>
+            <a:spLocks noGrp="1"/>
+          </p:cNvSpPr>
+          <p:nvPr>
+            <p:ph idx="1"/>
+          </p:nvPr>
+        </p:nvSpPr>
+        <p:spPr>
+          <a:xfrm>
+            <a:off x="1024128" y="3875316"/>
+            <a:ext cx="9720073" cy="2198914"/>
+          </a:xfrm>
+        </p:spPr>
+        <p:txBody>
+          <a:bodyPr/>
+          <a:lstStyle/>
+          <a:p>
+            <a:r>
+              <a:rPr lang="en-US" dirty="0" smtClean="0"/>
+              <a:t>Variance is a special case of the covariance</a:t>
+            </a:r>
+            <a:endParaRPr lang="he-IL" dirty="0"/>
+          </a:p>
+        </p:txBody>
+      </p:sp>
+      <p:grpSp>
+        <p:nvGrpSpPr>
+          <p:cNvPr id="7" name="Group 6"/>
+          <p:cNvGrpSpPr/>
+          <p:nvPr/>
+        </p:nvGrpSpPr>
+        <p:grpSpPr>
+          <a:xfrm>
+            <a:off x="1024128" y="2249941"/>
+            <a:ext cx="6081244" cy="1168174"/>
+            <a:chOff x="3643312" y="3186112"/>
+            <a:chExt cx="4905375" cy="942296"/>
+          </a:xfrm>
+        </p:grpSpPr>
+        <p:pic>
+          <p:nvPicPr>
+            <p:cNvPr id="5" name="Picture 4"/>
+            <p:cNvPicPr>
+              <a:picLocks noChangeAspect="1"/>
+            </p:cNvPicPr>
+            <p:nvPr/>
+          </p:nvPicPr>
+          <p:blipFill>
+            <a:blip r:embed="rId2"/>
+            <a:stretch>
+              <a:fillRect/>
+            </a:stretch>
+          </p:blipFill>
+          <p:spPr>
+            <a:xfrm>
+              <a:off x="3643312" y="3186112"/>
+              <a:ext cx="4905375" cy="485775"/>
+            </a:xfrm>
+            <a:prstGeom prst="rect">
+              <a:avLst/>
+            </a:prstGeom>
+          </p:spPr>
+        </p:pic>
+        <p:pic>
+          <p:nvPicPr>
+            <p:cNvPr id="6" name="Picture 5"/>
+            <p:cNvPicPr>
+              <a:picLocks noChangeAspect="1"/>
+            </p:cNvPicPr>
+            <p:nvPr/>
+          </p:nvPicPr>
+          <p:blipFill>
+            <a:blip r:embed="rId3"/>
+            <a:stretch>
+              <a:fillRect/>
+            </a:stretch>
+          </p:blipFill>
+          <p:spPr>
+            <a:xfrm>
+              <a:off x="4976133" y="3709308"/>
+              <a:ext cx="2762250" cy="419100"/>
+            </a:xfrm>
+            <a:prstGeom prst="rect">
+              <a:avLst/>
+            </a:prstGeom>
+          </p:spPr>
+        </p:pic>
+      </p:grpSp>
+      <p:pic>
+        <p:nvPicPr>
+          <p:cNvPr id="8" name="Picture 7"/>
+          <p:cNvPicPr>
+            <a:picLocks noChangeAspect="1"/>
+          </p:cNvPicPr>
+          <p:nvPr/>
+        </p:nvPicPr>
+        <p:blipFill>
+          <a:blip r:embed="rId4"/>
+          <a:stretch>
+            <a:fillRect/>
+          </a:stretch>
+        </p:blipFill>
+        <p:spPr>
+          <a:xfrm>
+            <a:off x="6345690" y="3775304"/>
+            <a:ext cx="4486275" cy="504825"/>
+          </a:xfrm>
+          <a:prstGeom prst="rect">
+            <a:avLst/>
+          </a:prstGeom>
+        </p:spPr>
+      </p:pic>
+      <p:pic>
+        <p:nvPicPr>
+          <p:cNvPr id="9" name="Picture 8"/>
+          <p:cNvPicPr>
+            <a:picLocks noChangeAspect="1"/>
+          </p:cNvPicPr>
+          <p:nvPr/>
+        </p:nvPicPr>
+        <p:blipFill>
+          <a:blip r:embed="rId5"/>
+          <a:stretch>
+            <a:fillRect/>
+          </a:stretch>
+        </p:blipFill>
+        <p:spPr>
+          <a:xfrm>
+            <a:off x="1077685" y="4371976"/>
+            <a:ext cx="3048000" cy="400050"/>
+          </a:xfrm>
+          <a:prstGeom prst="rect">
+            <a:avLst/>
+          </a:prstGeom>
+        </p:spPr>
+      </p:pic>
+    </p:spTree>
+    <p:extLst>
+      <p:ext uri="{BB962C8B-B14F-4D97-AF65-F5344CB8AC3E}">
+        <p14:creationId xmlns:p14="http://schemas.microsoft.com/office/powerpoint/2010/main" val="2481475286"/>
+      </p:ext>
+    </p:extLst>
+  </p:cSld>
+  <p:clrMapOvr>
+    <a:masterClrMapping/>
+  </p:clrMapOvr>
+</p:sld>
+</file>
+
+<file path=ppt/slides/slide14.xml><?xml version="1.0" encoding="utf-8"?>
+<p:sld xmlns:a="http://schemas.openxmlformats.org/drawingml/2006/main" xmlns:r="http://schemas.openxmlformats.org/officeDocument/2006/relationships" xmlns:p="http://schemas.openxmlformats.org/presentationml/2006/main">
+  <p:cSld>
+    <p:spTree>
+      <p:nvGrpSpPr>
+        <p:cNvPr id="1" name=""/>
+        <p:cNvGrpSpPr/>
+        <p:nvPr/>
+      </p:nvGrpSpPr>
+      <p:grpSpPr>
+        <a:xfrm>
+          <a:off x="0" y="0"/>
+          <a:ext cx="0" cy="0"/>
+          <a:chOff x="0" y="0"/>
+          <a:chExt cx="0" cy="0"/>
+        </a:xfrm>
+      </p:grpSpPr>
+      <p:sp>
+        <p:nvSpPr>
+          <p:cNvPr id="969730" name="Rectangle 1026"/>
+          <p:cNvSpPr>
+            <a:spLocks noGrp="1" noChangeArrowheads="1"/>
+          </p:cNvSpPr>
+          <p:nvPr>
+            <p:ph type="title"/>
+          </p:nvPr>
+        </p:nvSpPr>
+        <p:spPr/>
+        <p:txBody>
+          <a:bodyPr/>
+          <a:lstStyle/>
+          <a:p>
+            <a:r>
+              <a:rPr lang="en-US"/>
+              <a:t>Correlation coefficient</a:t>
+            </a:r>
+          </a:p>
+        </p:txBody>
+      </p:sp>
+      <p:sp>
+        <p:nvSpPr>
+          <p:cNvPr id="4" name="Content Placeholder 3"/>
+          <p:cNvSpPr>
+            <a:spLocks noGrp="1"/>
+          </p:cNvSpPr>
+          <p:nvPr>
+            <p:ph idx="1"/>
+          </p:nvPr>
+        </p:nvSpPr>
+        <p:spPr/>
+        <p:txBody>
+          <a:bodyPr/>
+          <a:lstStyle/>
+          <a:p>
+            <a:r>
+              <a:rPr lang="en-US" sz="2400" dirty="0"/>
+              <a:t>Pearson’s Correlation Coefficient is standardized covariance (</a:t>
+            </a:r>
+            <a:r>
+              <a:rPr lang="en-US" sz="2400" dirty="0" err="1"/>
+              <a:t>unitless</a:t>
+            </a:r>
+            <a:r>
+              <a:rPr lang="en-US" sz="2400" dirty="0" smtClean="0"/>
+              <a:t>):</a:t>
+            </a:r>
+          </a:p>
+          <a:p>
+            <a:endParaRPr lang="en-US" sz="2400" dirty="0"/>
+          </a:p>
+          <a:p>
+            <a:endParaRPr lang="en-US" sz="2400" dirty="0" smtClean="0"/>
+          </a:p>
+          <a:p>
+            <a:endParaRPr lang="en-US" sz="2400" dirty="0"/>
+          </a:p>
+          <a:p>
+            <a:endParaRPr lang="en-US" sz="2400" dirty="0" smtClean="0"/>
+          </a:p>
+          <a:p>
+            <a:r>
+              <a:rPr lang="en-US" sz="2400" dirty="0"/>
+              <a:t>In correlation, the two variables are treated as equals.  In regression, one variable is considered independent (=predictor) variable (X) and the other the dependent (=outcome) variable Y. </a:t>
+            </a:r>
+          </a:p>
+          <a:p>
+            <a:pPr marL="0" indent="0">
+              <a:buNone/>
+            </a:pPr>
+            <a:endParaRPr lang="en-US" sz="2400" dirty="0"/>
+          </a:p>
+          <a:p>
+            <a:pPr marL="0" indent="0">
+              <a:buNone/>
+            </a:pPr>
+            <a:endParaRPr lang="en-US" sz="2400" dirty="0"/>
+          </a:p>
+        </p:txBody>
+      </p:sp>
+      <p:sp>
+        <p:nvSpPr>
+          <p:cNvPr id="969735" name="Rectangle 1031"/>
+          <p:cNvSpPr>
+            <a:spLocks noChangeArrowheads="1"/>
+          </p:cNvSpPr>
+          <p:nvPr/>
+        </p:nvSpPr>
+        <p:spPr bwMode="auto">
+          <a:xfrm>
+            <a:off x="2286000" y="2286000"/>
+            <a:ext cx="7772400" cy="496888"/>
+          </a:xfrm>
+          <a:prstGeom prst="rect">
+            <a:avLst/>
+          </a:prstGeom>
+          <a:noFill/>
+          <a:ln>
+            <a:noFill/>
+          </a:ln>
+          <a:effectLst/>
+          <a:extLst>
+            <a:ext uri="{909E8E84-426E-40DD-AFC4-6F175D3DCCD1}">
+              <a14:hiddenFill xmlns:a14="http://schemas.microsoft.com/office/drawing/2010/main">
+                <a:solidFill>
+                  <a:schemeClr val="accent1"/>
+                </a:solidFill>
+              </a14:hiddenFill>
+            </a:ext>
+            <a:ext uri="{91240B29-F687-4F45-9708-019B960494DF}">
+              <a14:hiddenLine xmlns:a14="http://schemas.microsoft.com/office/drawing/2010/main" w="9525">
+                <a:solidFill>
+                  <a:schemeClr val="tx1"/>
+                </a:solidFill>
+                <a:miter lim="800000"/>
+                <a:headEnd/>
+                <a:tailEnd/>
+              </a14:hiddenLine>
+            </a:ext>
+            <a:ext uri="{AF507438-7753-43E0-B8FC-AC1667EBCBE1}">
+              <a14:hiddenEffects xmlns:a14="http://schemas.microsoft.com/office/drawing/2010/main">
+                <a:effectLst>
+                  <a:outerShdw dist="35921" dir="2700000" algn="ctr" rotWithShape="0">
+                    <a:schemeClr val="bg2"/>
+                  </a:outerShdw>
+                </a:effectLst>
+              </a14:hiddenEffects>
+            </a:ext>
+          </a:extLst>
+        </p:spPr>
+        <p:txBody>
+          <a:bodyPr/>
+          <a:lstStyle>
+            <a:lvl1pPr marL="342900" indent="-342900">
+              <a:spcBef>
+                <a:spcPct val="20000"/>
+              </a:spcBef>
+              <a:buClr>
+                <a:schemeClr val="folHlink"/>
+              </a:buClr>
+              <a:buSzPct val="60000"/>
+              <a:buFont typeface="Wingdings" panose="05000000000000000000" pitchFamily="2" charset="2"/>
+              <a:buChar char="n"/>
+              <a:defRPr sz="3200">
+                <a:solidFill>
+                  <a:schemeClr val="tx1"/>
+                </a:solidFill>
+                <a:latin typeface="Tahoma" panose="020B0604030504040204" pitchFamily="34" charset="0"/>
+              </a:defRPr>
+            </a:lvl1pPr>
+            <a:lvl2pPr marL="742950" indent="-285750">
+              <a:spcBef>
+                <a:spcPct val="20000"/>
+              </a:spcBef>
+              <a:buClr>
+                <a:schemeClr val="hlink"/>
+              </a:buClr>
+              <a:buSzPct val="55000"/>
+              <a:buFont typeface="Wingdings" panose="05000000000000000000" pitchFamily="2" charset="2"/>
+              <a:buChar char="n"/>
+              <a:defRPr sz="2800">
+                <a:solidFill>
+                  <a:schemeClr val="tx1"/>
+                </a:solidFill>
+                <a:latin typeface="Tahoma" panose="020B0604030504040204" pitchFamily="34" charset="0"/>
+              </a:defRPr>
+            </a:lvl2pPr>
+            <a:lvl3pPr marL="1143000" indent="-228600">
+              <a:spcBef>
+                <a:spcPct val="20000"/>
+              </a:spcBef>
+              <a:buClr>
+                <a:schemeClr val="folHlink"/>
+              </a:buClr>
+              <a:buSzPct val="50000"/>
+              <a:buFont typeface="Wingdings" panose="05000000000000000000" pitchFamily="2" charset="2"/>
+              <a:buChar char="n"/>
+              <a:defRPr sz="2400">
+                <a:solidFill>
+                  <a:schemeClr val="tx1"/>
+                </a:solidFill>
+                <a:latin typeface="Tahoma" panose="020B0604030504040204" pitchFamily="34" charset="0"/>
+              </a:defRPr>
+            </a:lvl3pPr>
+            <a:lvl4pPr marL="1600200" indent="-228600">
+              <a:spcBef>
+                <a:spcPct val="20000"/>
+              </a:spcBef>
+              <a:buClr>
+                <a:schemeClr val="accent2"/>
+              </a:buClr>
+              <a:buSzPct val="55000"/>
+              <a:buFont typeface="Wingdings" panose="05000000000000000000" pitchFamily="2" charset="2"/>
+              <a:buChar char="n"/>
+              <a:defRPr sz="2000">
+                <a:solidFill>
+                  <a:schemeClr val="tx1"/>
+                </a:solidFill>
+                <a:latin typeface="Tahoma" panose="020B0604030504040204" pitchFamily="34" charset="0"/>
+              </a:defRPr>
+            </a:lvl4pPr>
+            <a:lvl5pPr marL="2057400" indent="-228600">
+              <a:spcBef>
+                <a:spcPct val="20000"/>
+              </a:spcBef>
+              <a:buClr>
+                <a:schemeClr val="accent1"/>
+              </a:buClr>
+              <a:buSzPct val="50000"/>
+              <a:buFont typeface="Wingdings" panose="05000000000000000000" pitchFamily="2" charset="2"/>
+              <a:buChar char="n"/>
+              <a:defRPr sz="2000">
+                <a:solidFill>
+                  <a:schemeClr val="tx1"/>
+                </a:solidFill>
+                <a:latin typeface="Tahoma" panose="020B0604030504040204" pitchFamily="34" charset="0"/>
+              </a:defRPr>
+            </a:lvl5pPr>
+            <a:lvl6pPr marL="2514600" indent="-228600" algn="l" rtl="0" fontAlgn="base">
+              <a:spcBef>
+                <a:spcPct val="20000"/>
+              </a:spcBef>
+              <a:spcAft>
+                <a:spcPct val="0"/>
+              </a:spcAft>
+              <a:buClr>
+                <a:schemeClr val="accent1"/>
+              </a:buClr>
+              <a:buSzPct val="50000"/>
+              <a:buFont typeface="Wingdings" panose="05000000000000000000" pitchFamily="2" charset="2"/>
+              <a:buChar char="n"/>
+              <a:defRPr sz="2000">
+                <a:solidFill>
+                  <a:schemeClr val="tx1"/>
+                </a:solidFill>
+                <a:latin typeface="Tahoma" panose="020B0604030504040204" pitchFamily="34" charset="0"/>
+              </a:defRPr>
+            </a:lvl6pPr>
+            <a:lvl7pPr marL="2971800" indent="-228600" algn="l" rtl="0" fontAlgn="base">
+              <a:spcBef>
+                <a:spcPct val="20000"/>
+              </a:spcBef>
+              <a:spcAft>
+                <a:spcPct val="0"/>
+              </a:spcAft>
+              <a:buClr>
+                <a:schemeClr val="accent1"/>
+              </a:buClr>
+              <a:buSzPct val="50000"/>
+              <a:buFont typeface="Wingdings" panose="05000000000000000000" pitchFamily="2" charset="2"/>
+              <a:buChar char="n"/>
+              <a:defRPr sz="2000">
+                <a:solidFill>
+                  <a:schemeClr val="tx1"/>
+                </a:solidFill>
+                <a:latin typeface="Tahoma" panose="020B0604030504040204" pitchFamily="34" charset="0"/>
+              </a:defRPr>
+            </a:lvl7pPr>
+            <a:lvl8pPr marL="3429000" indent="-228600" algn="l" rtl="0" fontAlgn="base">
+              <a:spcBef>
+                <a:spcPct val="20000"/>
+              </a:spcBef>
+              <a:spcAft>
+                <a:spcPct val="0"/>
+              </a:spcAft>
+              <a:buClr>
+                <a:schemeClr val="accent1"/>
+              </a:buClr>
+              <a:buSzPct val="50000"/>
+              <a:buFont typeface="Wingdings" panose="05000000000000000000" pitchFamily="2" charset="2"/>
+              <a:buChar char="n"/>
+              <a:defRPr sz="2000">
+                <a:solidFill>
+                  <a:schemeClr val="tx1"/>
+                </a:solidFill>
+                <a:latin typeface="Tahoma" panose="020B0604030504040204" pitchFamily="34" charset="0"/>
+              </a:defRPr>
+            </a:lvl8pPr>
+            <a:lvl9pPr marL="3886200" indent="-228600" algn="l" rtl="0" fontAlgn="base">
+              <a:spcBef>
+                <a:spcPct val="20000"/>
+              </a:spcBef>
+              <a:spcAft>
+                <a:spcPct val="0"/>
+              </a:spcAft>
+              <a:buClr>
+                <a:schemeClr val="accent1"/>
+              </a:buClr>
+              <a:buSzPct val="50000"/>
+              <a:buFont typeface="Wingdings" panose="05000000000000000000" pitchFamily="2" charset="2"/>
+              <a:buChar char="n"/>
+              <a:defRPr sz="2000">
+                <a:solidFill>
+                  <a:schemeClr val="tx1"/>
+                </a:solidFill>
+                <a:latin typeface="Tahoma" panose="020B0604030504040204" pitchFamily="34" charset="0"/>
+              </a:defRPr>
+            </a:lvl9pPr>
+          </a:lstStyle>
+          <a:p>
+            <a:pPr eaLnBrk="1" hangingPunct="1">
+              <a:lnSpc>
+                <a:spcPct val="90000"/>
+              </a:lnSpc>
+            </a:pPr>
+            <a:endParaRPr lang="en-US" sz="2800" dirty="0"/>
+          </a:p>
+        </p:txBody>
+      </p:sp>
+      <p:graphicFrame>
+        <p:nvGraphicFramePr>
+          <p:cNvPr id="969737" name="Object 1033"/>
+          <p:cNvGraphicFramePr>
+            <a:graphicFrameLocks noChangeAspect="1"/>
+          </p:cNvGraphicFramePr>
+          <p:nvPr>
+            <p:extLst>
+              <p:ext uri="{D42A27DB-BD31-4B8C-83A1-F6EECF244321}">
+                <p14:modId xmlns:p14="http://schemas.microsoft.com/office/powerpoint/2010/main" val="546580032"/>
+              </p:ext>
+            </p:extLst>
+          </p:nvPr>
+        </p:nvGraphicFramePr>
+        <p:xfrm>
+          <a:off x="3604306" y="2951163"/>
+          <a:ext cx="4538662" cy="1511300"/>
+        </p:xfrm>
+        <a:graphic>
+          <a:graphicData uri="http://schemas.openxmlformats.org/presentationml/2006/ole">
+            <mc:AlternateContent xmlns:mc="http://schemas.openxmlformats.org/markup-compatibility/2006">
+              <mc:Choice xmlns:v="urn:schemas-microsoft-com:vml" Requires="v">
+                <p:oleObj spid="_x0000_s4136" name="Equation" r:id="rId3" imgW="1333440" imgH="444240" progId="Equation.3">
+                  <p:embed/>
+                </p:oleObj>
+              </mc:Choice>
+              <mc:Fallback>
+                <p:oleObj name="Equation" r:id="rId3" imgW="1333440" imgH="444240" progId="Equation.3">
+                  <p:embed/>
+                  <p:pic>
+                    <p:nvPicPr>
+                      <p:cNvPr id="0" name=""/>
+                      <p:cNvPicPr>
+                        <a:picLocks noChangeAspect="1" noChangeArrowheads="1"/>
+                      </p:cNvPicPr>
+                      <p:nvPr/>
+                    </p:nvPicPr>
+                    <p:blipFill>
+                      <a:blip r:embed="rId4">
+                        <a:extLst>
+                          <a:ext uri="{28A0092B-C50C-407E-A947-70E740481C1C}">
+                            <a14:useLocalDpi xmlns:a14="http://schemas.microsoft.com/office/drawing/2010/main" val="0"/>
+                          </a:ext>
+                        </a:extLst>
+                      </a:blip>
+                      <a:srcRect/>
+                      <a:stretch>
+                        <a:fillRect/>
+                      </a:stretch>
+                    </p:blipFill>
+                    <p:spPr bwMode="auto">
+                      <a:xfrm>
+                        <a:off x="3604306" y="2951163"/>
+                        <a:ext cx="4538662" cy="1511300"/>
+                      </a:xfrm>
+                      <a:prstGeom prst="rect">
+                        <a:avLst/>
+                      </a:prstGeom>
+                      <a:solidFill>
+                        <a:srgbClr val="FFCC99"/>
+                      </a:solidFill>
+                      <a:ln w="9525">
+                        <a:solidFill>
+                          <a:schemeClr val="tx1"/>
+                        </a:solidFill>
+                        <a:miter lim="800000"/>
+                        <a:headEnd/>
+                        <a:tailEnd/>
+                      </a:ln>
+                      <a:effectLst/>
+                      <a:extLst>
+                        <a:ext uri="{AF507438-7753-43E0-B8FC-AC1667EBCBE1}">
+                          <a14:hiddenEffects xmlns:a14="http://schemas.microsoft.com/office/drawing/2010/main">
+                            <a:effectLst>
+                              <a:outerShdw dist="35921" dir="2700000" algn="ctr" rotWithShape="0">
+                                <a:schemeClr val="bg2"/>
+                              </a:outerShdw>
+                            </a:effectLst>
+                          </a14:hiddenEffects>
+                        </a:ext>
+                      </a:extLst>
+                    </p:spPr>
+                  </p:pic>
+                </p:oleObj>
+              </mc:Fallback>
+            </mc:AlternateContent>
+          </a:graphicData>
+        </a:graphic>
+      </p:graphicFrame>
+    </p:spTree>
+    <p:extLst>
+      <p:ext uri="{BB962C8B-B14F-4D97-AF65-F5344CB8AC3E}">
+        <p14:creationId xmlns:p14="http://schemas.microsoft.com/office/powerpoint/2010/main" val="3956045772"/>
+      </p:ext>
+    </p:extLst>
+  </p:cSld>
+  <p:clrMapOvr>
+    <a:masterClrMapping/>
+  </p:clrMapOvr>
+  <p:timing>
+    <p:tnLst>
+      <p:par>
+        <p:cTn id="1" dur="indefinite" restart="never" nodeType="tmRoot">
+          <p:childTnLst>
+            <p:seq concurrent="1" nextAc="seek">
+              <p:cTn id="2" dur="indefinite" nodeType="mainSeq">
+                <p:childTnLst>
+                  <p:par>
+                    <p:cTn id="3" fill="hold" nodeType="clickPar">
+                      <p:stCondLst>
+                        <p:cond delay="indefinite"/>
+                      </p:stCondLst>
+                      <p:childTnLst>
+                        <p:par>
+                          <p:cTn id="4" fill="hold" nodeType="withGroup">
+                            <p:stCondLst>
+                              <p:cond delay="0"/>
+                            </p:stCondLst>
+                            <p:childTnLst>
+                              <p:par>
+                                <p:cTn id="5" presetID="2" presetClass="entr" presetSubtype="8" fill="hold" grpId="0" nodeType="clickEffect" nodePh="1">
+                                  <p:stCondLst>
+                                    <p:cond delay="0"/>
+                                  </p:stCondLst>
+                                  <p:endCondLst>
+                                    <p:cond evt="begin" delay="0">
+                                      <p:tn val="5"/>
+                                    </p:cond>
+                                  </p:endCondLst>
+                                  <p:childTnLst>
+                                    <p:set>
+                                      <p:cBhvr>
+                                        <p:cTn id="6" dur="1" fill="hold">
+                                          <p:stCondLst>
+                                            <p:cond delay="0"/>
+                                          </p:stCondLst>
+                                        </p:cTn>
+                                        <p:tgtEl>
+                                          <p:spTgt spid="969735"/>
+                                        </p:tgtEl>
+                                        <p:attrNameLst>
+                                          <p:attrName>style.visibility</p:attrName>
+                                        </p:attrNameLst>
+                                      </p:cBhvr>
+                                      <p:to>
+                                        <p:strVal val="visible"/>
+                                      </p:to>
+                                    </p:set>
+                                    <p:anim calcmode="lin" valueType="num">
+                                      <p:cBhvr additive="base">
+                                        <p:cTn id="7" dur="500" fill="hold"/>
+                                        <p:tgtEl>
+                                          <p:spTgt spid="969735"/>
+                                        </p:tgtEl>
+                                        <p:attrNameLst>
+                                          <p:attrName>ppt_x</p:attrName>
+                                        </p:attrNameLst>
+                                      </p:cBhvr>
+                                      <p:tavLst>
+                                        <p:tav tm="0">
+                                          <p:val>
+                                            <p:strVal val="0-#ppt_w/2"/>
+                                          </p:val>
+                                        </p:tav>
+                                        <p:tav tm="100000">
+                                          <p:val>
+                                            <p:strVal val="#ppt_x"/>
+                                          </p:val>
+                                        </p:tav>
+                                      </p:tavLst>
+                                    </p:anim>
+                                    <p:anim calcmode="lin" valueType="num">
+                                      <p:cBhvr additive="base">
+                                        <p:cTn id="8" dur="500" fill="hold"/>
+                                        <p:tgtEl>
+                                          <p:spTgt spid="969735"/>
+                                        </p:tgtEl>
+                                        <p:attrNameLst>
+                                          <p:attrName>ppt_y</p:attrName>
+                                        </p:attrNameLst>
+                                      </p:cBhvr>
+                                      <p:tavLst>
+                                        <p:tav tm="0">
+                                          <p:val>
+                                            <p:strVal val="#ppt_y"/>
+                                          </p:val>
+                                        </p:tav>
+                                        <p:tav tm="100000">
+                                          <p:val>
+                                            <p:strVal val="#ppt_y"/>
+                                          </p:val>
+                                        </p:tav>
+                                      </p:tavLst>
+                                    </p:anim>
+                                  </p:childTnLst>
+                                </p:cTn>
+                              </p:par>
+                            </p:childTnLst>
+                          </p:cTn>
+                        </p:par>
+                      </p:childTnLst>
+                    </p:cTn>
+                  </p:par>
+                  <p:par>
+                    <p:cTn id="9" fill="hold" nodeType="clickPar">
+                      <p:stCondLst>
+                        <p:cond delay="indefinite"/>
+                      </p:stCondLst>
+                      <p:childTnLst>
+                        <p:par>
+                          <p:cTn id="10" fill="hold" nodeType="withGroup">
+                            <p:stCondLst>
+                              <p:cond delay="0"/>
+                            </p:stCondLst>
+                            <p:childTnLst>
+                              <p:par>
+                                <p:cTn id="11" presetID="2" presetClass="entr" presetSubtype="8" fill="hold" nodeType="clickEffect">
+                                  <p:stCondLst>
+                                    <p:cond delay="0"/>
+                                  </p:stCondLst>
+                                  <p:childTnLst>
+                                    <p:set>
+                                      <p:cBhvr>
+                                        <p:cTn id="12" dur="1" fill="hold">
+                                          <p:stCondLst>
+                                            <p:cond delay="0"/>
+                                          </p:stCondLst>
+                                        </p:cTn>
+                                        <p:tgtEl>
+                                          <p:spTgt spid="969737"/>
+                                        </p:tgtEl>
+                                        <p:attrNameLst>
+                                          <p:attrName>style.visibility</p:attrName>
+                                        </p:attrNameLst>
+                                      </p:cBhvr>
+                                      <p:to>
+                                        <p:strVal val="visible"/>
+                                      </p:to>
+                                    </p:set>
+                                    <p:anim calcmode="lin" valueType="num">
+                                      <p:cBhvr additive="base">
+                                        <p:cTn id="13" dur="500" fill="hold"/>
+                                        <p:tgtEl>
+                                          <p:spTgt spid="969737"/>
+                                        </p:tgtEl>
+                                        <p:attrNameLst>
+                                          <p:attrName>ppt_x</p:attrName>
+                                        </p:attrNameLst>
+                                      </p:cBhvr>
+                                      <p:tavLst>
+                                        <p:tav tm="0">
+                                          <p:val>
+                                            <p:strVal val="0-#ppt_w/2"/>
+                                          </p:val>
+                                        </p:tav>
+                                        <p:tav tm="100000">
+                                          <p:val>
+                                            <p:strVal val="#ppt_x"/>
+                                          </p:val>
+                                        </p:tav>
+                                      </p:tavLst>
+                                    </p:anim>
+                                    <p:anim calcmode="lin" valueType="num">
+                                      <p:cBhvr additive="base">
+                                        <p:cTn id="14" dur="500" fill="hold"/>
+                                        <p:tgtEl>
+                                          <p:spTgt spid="969737"/>
+                                        </p:tgtEl>
+                                        <p:attrNameLst>
+                                          <p:attrName>ppt_y</p:attrName>
+                                        </p:attrNameLst>
+                                      </p:cBhvr>
+                                      <p:tavLst>
+                                        <p:tav tm="0">
+                                          <p:val>
+                                            <p:strVal val="#ppt_y"/>
+                                          </p:val>
+                                        </p:tav>
+                                        <p:tav tm="100000">
+                                          <p:val>
+                                            <p:strVal val="#ppt_y"/>
+                                          </p:val>
+                                        </p:tav>
+                                      </p:tavLst>
+                                    </p:anim>
+                                  </p:childTnLst>
+                                </p:cTn>
+                              </p:par>
+                            </p:childTnLst>
+                          </p:cTn>
+                        </p:par>
+                      </p:childTnLst>
+                    </p:cTn>
+                  </p:par>
+                </p:childTnLst>
+              </p:cTn>
+              <p:prevCondLst>
+                <p:cond evt="onPrev" delay="0">
+                  <p:tgtEl>
+                    <p:sldTgt/>
+                  </p:tgtEl>
+                </p:cond>
+              </p:prevCondLst>
+              <p:nextCondLst>
+                <p:cond evt="onNext" delay="0">
+                  <p:tgtEl>
+                    <p:sldTgt/>
+                  </p:tgtEl>
+                </p:cond>
+              </p:nextCondLst>
+            </p:seq>
+          </p:childTnLst>
+        </p:cTn>
+      </p:par>
+    </p:tnLst>
+    <p:bldLst>
+      <p:bldP spid="969735" grpId="0" autoUpdateAnimBg="0"/>
+    </p:bldLst>
+  </p:timing>
+</p:sld>
+</file>
+
+<file path=ppt/slides/slide15.xml><?xml version="1.0" encoding="utf-8"?>
+<p:sld xmlns:a="http://schemas.openxmlformats.org/drawingml/2006/main" xmlns:r="http://schemas.openxmlformats.org/officeDocument/2006/relationships" xmlns:p="http://schemas.openxmlformats.org/presentationml/2006/main">
+  <p:cSld>
+    <p:spTree>
+      <p:nvGrpSpPr>
+        <p:cNvPr id="1" name=""/>
+        <p:cNvGrpSpPr/>
+        <p:nvPr/>
+      </p:nvGrpSpPr>
+      <p:grpSpPr>
+        <a:xfrm>
+          <a:off x="0" y="0"/>
+          <a:ext cx="0" cy="0"/>
+          <a:chOff x="0" y="0"/>
+          <a:chExt cx="0" cy="0"/>
+        </a:xfrm>
+      </p:grpSpPr>
+      <p:sp>
+        <p:nvSpPr>
+          <p:cNvPr id="962562" name="Rectangle 2"/>
+          <p:cNvSpPr>
+            <a:spLocks noGrp="1" noChangeArrowheads="1"/>
+          </p:cNvSpPr>
+          <p:nvPr>
+            <p:ph type="title"/>
+          </p:nvPr>
+        </p:nvSpPr>
+        <p:spPr/>
+        <p:txBody>
+          <a:bodyPr/>
+          <a:lstStyle/>
+          <a:p>
+            <a:r>
+              <a:rPr lang="en-US" dirty="0" smtClean="0"/>
+              <a:t>Correlation (PEARSON)</a:t>
+            </a:r>
+            <a:endParaRPr lang="en-US" dirty="0"/>
+          </a:p>
+        </p:txBody>
+      </p:sp>
+      <p:sp>
+        <p:nvSpPr>
+          <p:cNvPr id="962563" name="Rectangle 3"/>
+          <p:cNvSpPr>
+            <a:spLocks noGrp="1" noChangeArrowheads="1"/>
+          </p:cNvSpPr>
+          <p:nvPr>
+            <p:ph idx="1"/>
+          </p:nvPr>
+        </p:nvSpPr>
+        <p:spPr/>
+        <p:txBody>
+          <a:bodyPr>
+            <a:normAutofit/>
+          </a:bodyPr>
+          <a:lstStyle/>
+          <a:p>
+            <a:pPr marL="457200" indent="-457200">
+              <a:lnSpc>
+                <a:spcPct val="90000"/>
+              </a:lnSpc>
+              <a:buFont typeface="+mj-lt"/>
+              <a:buAutoNum type="arabicPeriod"/>
+            </a:pPr>
+            <a:r>
+              <a:rPr lang="en-US" sz="2400" dirty="0"/>
+              <a:t>Measures the relative strength of the </a:t>
+            </a:r>
+            <a:r>
+              <a:rPr lang="en-US" sz="2400" i="1" dirty="0"/>
+              <a:t>linear </a:t>
+            </a:r>
+            <a:r>
+              <a:rPr lang="en-US" sz="2400" dirty="0"/>
+              <a:t>relationship between two variables</a:t>
+            </a:r>
+          </a:p>
+          <a:p>
+            <a:pPr marL="457200" indent="-457200">
+              <a:lnSpc>
+                <a:spcPct val="120000"/>
+              </a:lnSpc>
+              <a:buFont typeface="+mj-lt"/>
+              <a:buAutoNum type="arabicPeriod"/>
+            </a:pPr>
+            <a:r>
+              <a:rPr lang="en-US" sz="2400" dirty="0" err="1" smtClean="0"/>
+              <a:t>Unitless</a:t>
+            </a:r>
+            <a:endParaRPr lang="en-US" sz="2400" dirty="0"/>
+          </a:p>
+          <a:p>
+            <a:pPr marL="457200" indent="-457200">
+              <a:lnSpc>
+                <a:spcPct val="120000"/>
+              </a:lnSpc>
+              <a:buFont typeface="+mj-lt"/>
+              <a:buAutoNum type="arabicPeriod"/>
+            </a:pPr>
+            <a:r>
+              <a:rPr lang="en-US" sz="2400" dirty="0" smtClean="0"/>
+              <a:t>Range: </a:t>
+            </a:r>
+          </a:p>
+          <a:p>
+            <a:pPr marL="630936" lvl="1" indent="-457200">
+              <a:lnSpc>
+                <a:spcPct val="120000"/>
+              </a:lnSpc>
+              <a:buFont typeface="+mj-lt"/>
+              <a:buAutoNum type="arabicPeriod"/>
+            </a:pPr>
+            <a:r>
+              <a:rPr lang="en-US" sz="2000" dirty="0" smtClean="0"/>
+              <a:t>–1 : 	strong negative linear relationship</a:t>
+            </a:r>
+          </a:p>
+          <a:p>
+            <a:pPr marL="630936" lvl="1" indent="-457200">
+              <a:lnSpc>
+                <a:spcPct val="120000"/>
+              </a:lnSpc>
+              <a:buFont typeface="+mj-lt"/>
+              <a:buAutoNum type="arabicPeriod"/>
+            </a:pPr>
+            <a:r>
+              <a:rPr lang="en-US" sz="2000" dirty="0"/>
+              <a:t>0 : </a:t>
+            </a:r>
+            <a:r>
+              <a:rPr lang="en-US" sz="2000" dirty="0" smtClean="0"/>
+              <a:t>	no </a:t>
+            </a:r>
+            <a:r>
+              <a:rPr lang="en-US" sz="2000" dirty="0"/>
+              <a:t>linear relationship</a:t>
+            </a:r>
+          </a:p>
+          <a:p>
+            <a:pPr marL="630936" lvl="1" indent="-457200">
+              <a:lnSpc>
+                <a:spcPct val="120000"/>
+              </a:lnSpc>
+              <a:buFont typeface="+mj-lt"/>
+              <a:buAutoNum type="arabicPeriod"/>
+            </a:pPr>
+            <a:r>
+              <a:rPr lang="en-US" sz="2000" dirty="0" smtClean="0"/>
+              <a:t>1 : 	strong positive </a:t>
+            </a:r>
+            <a:r>
+              <a:rPr lang="en-US" sz="2000" dirty="0"/>
+              <a:t>linear </a:t>
+            </a:r>
+            <a:r>
+              <a:rPr lang="en-US" sz="2000" dirty="0" smtClean="0"/>
+              <a:t>relationship</a:t>
+            </a:r>
+          </a:p>
+          <a:p>
+            <a:pPr marL="457200" indent="-457200">
+              <a:lnSpc>
+                <a:spcPct val="120000"/>
+              </a:lnSpc>
+              <a:buFont typeface="+mj-lt"/>
+              <a:buAutoNum type="arabicPeriod"/>
+            </a:pPr>
+            <a:r>
+              <a:rPr lang="en-US" dirty="0"/>
+              <a:t>Spearman correlation is a non-parametric measure that uses values </a:t>
+            </a:r>
+            <a:r>
+              <a:rPr lang="en-US" dirty="0" smtClean="0"/>
+              <a:t>rank</a:t>
+            </a:r>
+            <a:endParaRPr lang="en-US" dirty="0"/>
+          </a:p>
+        </p:txBody>
+      </p:sp>
+    </p:spTree>
+    <p:extLst>
+      <p:ext uri="{BB962C8B-B14F-4D97-AF65-F5344CB8AC3E}">
+        <p14:creationId xmlns:p14="http://schemas.microsoft.com/office/powerpoint/2010/main" val="1199162546"/>
+      </p:ext>
+    </p:extLst>
+  </p:cSld>
+  <p:clrMapOvr>
+    <a:masterClrMapping/>
+  </p:clrMapOvr>
+  <p:timing>
+    <p:tnLst>
+      <p:par>
+        <p:cTn id="1" dur="indefinite" restart="never" nodeType="tmRoot"/>
+      </p:par>
+    </p:tnLst>
+  </p:timing>
+</p:sld>
+</file>
+
+<file path=ppt/slides/slide16.xml><?xml version="1.0" encoding="utf-8"?>
+<p:sld xmlns:a="http://schemas.openxmlformats.org/drawingml/2006/main" xmlns:r="http://schemas.openxmlformats.org/officeDocument/2006/relationships" xmlns:p="http://schemas.openxmlformats.org/presentationml/2006/main">
+  <p:cSld>
+    <p:spTree>
+      <p:nvGrpSpPr>
+        <p:cNvPr id="1" name=""/>
+        <p:cNvGrpSpPr/>
+        <p:nvPr/>
+      </p:nvGrpSpPr>
+      <p:grpSpPr>
+        <a:xfrm>
+          <a:off x="0" y="0"/>
+          <a:ext cx="0" cy="0"/>
+          <a:chOff x="0" y="0"/>
+          <a:chExt cx="0" cy="0"/>
+        </a:xfrm>
+      </p:grpSpPr>
+      <p:sp>
+        <p:nvSpPr>
+          <p:cNvPr id="998402" name="Rectangle 2"/>
+          <p:cNvSpPr>
+            <a:spLocks noGrp="1" noChangeArrowheads="1"/>
+          </p:cNvSpPr>
+          <p:nvPr>
+            <p:ph type="title"/>
+          </p:nvPr>
+        </p:nvSpPr>
+        <p:spPr/>
+        <p:txBody>
+          <a:bodyPr/>
+          <a:lstStyle/>
+          <a:p>
+            <a:r>
+              <a:rPr lang="en-US"/>
+              <a:t>Resulting formulas…</a:t>
+            </a:r>
+          </a:p>
+        </p:txBody>
+      </p:sp>
+      <p:sp>
+        <p:nvSpPr>
+          <p:cNvPr id="998406" name="Text Box 6"/>
+          <p:cNvSpPr txBox="1">
+            <a:spLocks noChangeArrowheads="1"/>
+          </p:cNvSpPr>
+          <p:nvPr/>
+        </p:nvSpPr>
+        <p:spPr bwMode="auto">
+          <a:xfrm>
+            <a:off x="1524000" y="2362201"/>
+            <a:ext cx="3581400" cy="396875"/>
+          </a:xfrm>
+          <a:prstGeom prst="rect">
+            <a:avLst/>
+          </a:prstGeom>
+          <a:noFill/>
+          <a:ln>
+            <a:noFill/>
+          </a:ln>
+          <a:effectLst/>
+          <a:extLst>
+            <a:ext uri="{909E8E84-426E-40DD-AFC4-6F175D3DCCD1}">
+              <a14:hiddenFill xmlns:a14="http://schemas.microsoft.com/office/drawing/2010/main">
+                <a:solidFill>
+                  <a:schemeClr val="accent1"/>
+                </a:solidFill>
+              </a14:hiddenFill>
+            </a:ext>
+            <a:ext uri="{91240B29-F687-4F45-9708-019B960494DF}">
+              <a14:hiddenLine xmlns:a14="http://schemas.microsoft.com/office/drawing/2010/main" w="9525">
+                <a:solidFill>
+                  <a:schemeClr val="tx1"/>
+                </a:solidFill>
+                <a:miter lim="800000"/>
+                <a:headEnd/>
+                <a:tailEnd/>
+              </a14:hiddenLine>
+            </a:ext>
+            <a:ext uri="{AF507438-7753-43E0-B8FC-AC1667EBCBE1}">
+              <a14:hiddenEffects xmlns:a14="http://schemas.microsoft.com/office/drawing/2010/main">
+                <a:effectLst>
+                  <a:outerShdw dist="35921" dir="2700000" algn="ctr" rotWithShape="0">
+                    <a:schemeClr val="bg2"/>
+                  </a:outerShdw>
+                </a:effectLst>
+              </a14:hiddenEffects>
+            </a:ext>
+          </a:extLst>
+        </p:spPr>
+        <p:txBody>
+          <a:bodyPr>
+            <a:spAutoFit/>
+          </a:bodyPr>
+          <a:lstStyle/>
+          <a:p>
+            <a:pPr>
+              <a:spcBef>
+                <a:spcPct val="50000"/>
+              </a:spcBef>
+            </a:pPr>
+            <a:r>
+              <a:rPr lang="en-US" sz="2000" dirty="0">
+                <a:latin typeface="Calibri Light" panose="020F0302020204030204" pitchFamily="34" charset="0"/>
+              </a:rPr>
+              <a:t>Slope (beta coefficient) =</a:t>
+            </a:r>
+          </a:p>
+        </p:txBody>
+      </p:sp>
+      <p:graphicFrame>
+        <p:nvGraphicFramePr>
+          <p:cNvPr id="998407" name="Object 7"/>
+          <p:cNvGraphicFramePr>
+            <a:graphicFrameLocks noChangeAspect="1"/>
+          </p:cNvGraphicFramePr>
+          <p:nvPr/>
+        </p:nvGraphicFramePr>
+        <p:xfrm>
+          <a:off x="4419600" y="1981201"/>
+          <a:ext cx="3163888" cy="1471613"/>
+        </p:xfrm>
+        <a:graphic>
+          <a:graphicData uri="http://schemas.openxmlformats.org/presentationml/2006/ole">
+            <mc:AlternateContent xmlns:mc="http://schemas.openxmlformats.org/markup-compatibility/2006">
+              <mc:Choice xmlns:v="urn:schemas-microsoft-com:vml" Requires="v">
+                <p:oleObj spid="_x0000_s5160" name="Equation" r:id="rId3" imgW="901440" imgH="419040" progId="Equation.3">
+                  <p:embed/>
+                </p:oleObj>
+              </mc:Choice>
+              <mc:Fallback>
+                <p:oleObj name="Equation" r:id="rId3" imgW="901440" imgH="419040" progId="Equation.3">
+                  <p:embed/>
+                  <p:pic>
+                    <p:nvPicPr>
+                      <p:cNvPr id="0" name=""/>
+                      <p:cNvPicPr>
+                        <a:picLocks noChangeAspect="1" noChangeArrowheads="1"/>
+                      </p:cNvPicPr>
+                      <p:nvPr/>
+                    </p:nvPicPr>
+                    <p:blipFill>
+                      <a:blip r:embed="rId4">
+                        <a:extLst>
+                          <a:ext uri="{28A0092B-C50C-407E-A947-70E740481C1C}">
+                            <a14:useLocalDpi xmlns:a14="http://schemas.microsoft.com/office/drawing/2010/main" val="0"/>
+                          </a:ext>
+                        </a:extLst>
+                      </a:blip>
+                      <a:srcRect/>
+                      <a:stretch>
+                        <a:fillRect/>
+                      </a:stretch>
+                    </p:blipFill>
+                    <p:spPr bwMode="auto">
+                      <a:xfrm>
+                        <a:off x="4419600" y="1981201"/>
+                        <a:ext cx="3163888" cy="1471613"/>
+                      </a:xfrm>
+                      <a:prstGeom prst="rect">
+                        <a:avLst/>
+                      </a:prstGeom>
+                      <a:solidFill>
+                        <a:srgbClr val="CCECFF"/>
+                      </a:solidFill>
+                      <a:ln w="9525">
+                        <a:solidFill>
+                          <a:schemeClr val="tx1"/>
+                        </a:solidFill>
+                        <a:miter lim="800000"/>
+                        <a:headEnd/>
+                        <a:tailEnd/>
+                      </a:ln>
+                      <a:effectLst/>
+                      <a:extLst>
+                        <a:ext uri="{AF507438-7753-43E0-B8FC-AC1667EBCBE1}">
+                          <a14:hiddenEffects xmlns:a14="http://schemas.microsoft.com/office/drawing/2010/main">
+                            <a:effectLst>
+                              <a:outerShdw dist="35921" dir="2700000" algn="ctr" rotWithShape="0">
+                                <a:schemeClr val="bg2"/>
+                              </a:outerShdw>
+                            </a:effectLst>
+                          </a14:hiddenEffects>
+                        </a:ext>
+                      </a:extLst>
+                    </p:spPr>
+                  </p:pic>
+                </p:oleObj>
+              </mc:Fallback>
+            </mc:AlternateContent>
+          </a:graphicData>
+        </a:graphic>
+      </p:graphicFrame>
+      <p:pic>
+        <p:nvPicPr>
+          <p:cNvPr id="998410" name="Picture 10"/>
+          <p:cNvPicPr>
+            <a:picLocks noChangeAspect="1" noChangeArrowheads="1"/>
+          </p:cNvPicPr>
+          <p:nvPr/>
+        </p:nvPicPr>
+        <p:blipFill>
+          <a:blip r:embed="rId5" cstate="print">
+            <a:extLst>
+              <a:ext uri="{28A0092B-C50C-407E-A947-70E740481C1C}">
+                <a14:useLocalDpi xmlns:a14="http://schemas.microsoft.com/office/drawing/2010/main" val="0"/>
+              </a:ext>
+            </a:extLst>
+          </a:blip>
+          <a:srcRect/>
+          <a:stretch>
+            <a:fillRect/>
+          </a:stretch>
+        </p:blipFill>
+        <p:spPr bwMode="auto">
+          <a:xfrm>
+            <a:off x="6858000" y="5486401"/>
+            <a:ext cx="1066800" cy="576263"/>
+          </a:xfrm>
+          <a:prstGeom prst="rect">
+            <a:avLst/>
+          </a:prstGeom>
+          <a:noFill/>
+          <a:extLst>
+            <a:ext uri="{909E8E84-426E-40DD-AFC4-6F175D3DCCD1}">
+              <a14:hiddenFill xmlns:a14="http://schemas.microsoft.com/office/drawing/2010/main">
+                <a:solidFill>
+                  <a:srgbClr val="FFFFFF"/>
+                </a:solidFill>
+              </a14:hiddenFill>
+            </a:ext>
+          </a:extLst>
+        </p:spPr>
+      </p:pic>
+      <p:pic>
+        <p:nvPicPr>
+          <p:cNvPr id="998412" name="Picture 12"/>
+          <p:cNvPicPr>
+            <a:picLocks noChangeAspect="1" noChangeArrowheads="1"/>
+          </p:cNvPicPr>
+          <p:nvPr/>
+        </p:nvPicPr>
+        <p:blipFill>
+          <a:blip r:embed="rId6" cstate="print">
+            <a:extLst>
+              <a:ext uri="{28A0092B-C50C-407E-A947-70E740481C1C}">
+                <a14:useLocalDpi xmlns:a14="http://schemas.microsoft.com/office/drawing/2010/main" val="0"/>
+              </a:ext>
+            </a:extLst>
+          </a:blip>
+          <a:srcRect/>
+          <a:stretch>
+            <a:fillRect/>
+          </a:stretch>
+        </p:blipFill>
+        <p:spPr bwMode="auto">
+          <a:xfrm>
+            <a:off x="2971800" y="4114801"/>
+            <a:ext cx="4419600" cy="735013"/>
+          </a:xfrm>
+          <a:prstGeom prst="rect">
+            <a:avLst/>
+          </a:prstGeom>
+          <a:solidFill>
+            <a:srgbClr val="CCECFF"/>
+          </a:solidFill>
+          <a:ln w="9525">
+            <a:solidFill>
+              <a:schemeClr val="tx1"/>
+            </a:solidFill>
+            <a:miter lim="800000"/>
+            <a:headEnd/>
+            <a:tailEnd/>
+          </a:ln>
+        </p:spPr>
+      </p:pic>
+      <p:sp>
+        <p:nvSpPr>
+          <p:cNvPr id="998414" name="Rectangle 14"/>
+          <p:cNvSpPr>
+            <a:spLocks noChangeArrowheads="1"/>
+          </p:cNvSpPr>
+          <p:nvPr/>
+        </p:nvSpPr>
+        <p:spPr bwMode="auto">
+          <a:xfrm>
+            <a:off x="1524000" y="4267201"/>
+            <a:ext cx="1828800" cy="701675"/>
+          </a:xfrm>
+          <a:prstGeom prst="rect">
+            <a:avLst/>
+          </a:prstGeom>
+          <a:noFill/>
+          <a:ln>
+            <a:noFill/>
+          </a:ln>
+          <a:effectLst/>
+          <a:extLst>
+            <a:ext uri="{909E8E84-426E-40DD-AFC4-6F175D3DCCD1}">
+              <a14:hiddenFill xmlns:a14="http://schemas.microsoft.com/office/drawing/2010/main">
+                <a:solidFill>
+                  <a:schemeClr val="accent1"/>
+                </a:solidFill>
+              </a14:hiddenFill>
+            </a:ext>
+            <a:ext uri="{91240B29-F687-4F45-9708-019B960494DF}">
+              <a14:hiddenLine xmlns:a14="http://schemas.microsoft.com/office/drawing/2010/main" w="9525">
+                <a:solidFill>
+                  <a:schemeClr val="tx1"/>
+                </a:solidFill>
+                <a:miter lim="800000"/>
+                <a:headEnd/>
+                <a:tailEnd/>
+              </a14:hiddenLine>
+            </a:ext>
+            <a:ext uri="{AF507438-7753-43E0-B8FC-AC1667EBCBE1}">
+              <a14:hiddenEffects xmlns:a14="http://schemas.microsoft.com/office/drawing/2010/main">
+                <a:effectLst>
+                  <a:outerShdw dist="35921" dir="2700000" algn="ctr" rotWithShape="0">
+                    <a:schemeClr val="bg2"/>
+                  </a:outerShdw>
+                </a:effectLst>
+              </a14:hiddenEffects>
+            </a:ext>
+          </a:extLst>
+        </p:spPr>
+        <p:txBody>
+          <a:bodyPr>
+            <a:spAutoFit/>
+          </a:bodyPr>
+          <a:lstStyle/>
+          <a:p>
+            <a:pPr eaLnBrk="1" hangingPunct="1"/>
+            <a:r>
+              <a:rPr lang="en-US" sz="2000">
+                <a:latin typeface="Calibri Light" panose="020F0302020204030204" pitchFamily="34" charset="0"/>
+              </a:rPr>
+              <a:t>Intercept=</a:t>
+            </a:r>
+          </a:p>
+          <a:p>
+            <a:endParaRPr lang="en-US" sz="2000">
+              <a:latin typeface="Calibri Light" panose="020F0302020204030204" pitchFamily="34" charset="0"/>
+            </a:endParaRPr>
+          </a:p>
+        </p:txBody>
+      </p:sp>
+      <p:sp>
+        <p:nvSpPr>
+          <p:cNvPr id="998415" name="Rectangle 15"/>
+          <p:cNvSpPr>
+            <a:spLocks noChangeArrowheads="1"/>
+          </p:cNvSpPr>
+          <p:nvPr/>
+        </p:nvSpPr>
+        <p:spPr bwMode="auto">
+          <a:xfrm>
+            <a:off x="1524000" y="5562601"/>
+            <a:ext cx="8305800" cy="701675"/>
+          </a:xfrm>
+          <a:prstGeom prst="rect">
+            <a:avLst/>
+          </a:prstGeom>
+          <a:noFill/>
+          <a:ln>
+            <a:noFill/>
+          </a:ln>
+          <a:effectLst/>
+          <a:extLst>
+            <a:ext uri="{909E8E84-426E-40DD-AFC4-6F175D3DCCD1}">
+              <a14:hiddenFill xmlns:a14="http://schemas.microsoft.com/office/drawing/2010/main">
+                <a:solidFill>
+                  <a:schemeClr val="accent1"/>
+                </a:solidFill>
+              </a14:hiddenFill>
+            </a:ext>
+            <a:ext uri="{91240B29-F687-4F45-9708-019B960494DF}">
+              <a14:hiddenLine xmlns:a14="http://schemas.microsoft.com/office/drawing/2010/main" w="9525">
+                <a:solidFill>
+                  <a:schemeClr val="tx1"/>
+                </a:solidFill>
+                <a:miter lim="800000"/>
+                <a:headEnd/>
+                <a:tailEnd/>
+              </a14:hiddenLine>
+            </a:ext>
+            <a:ext uri="{AF507438-7753-43E0-B8FC-AC1667EBCBE1}">
+              <a14:hiddenEffects xmlns:a14="http://schemas.microsoft.com/office/drawing/2010/main">
+                <a:effectLst>
+                  <a:outerShdw dist="35921" dir="2700000" algn="ctr" rotWithShape="0">
+                    <a:schemeClr val="bg2"/>
+                  </a:outerShdw>
+                </a:effectLst>
+              </a14:hiddenEffects>
+            </a:ext>
+          </a:extLst>
+        </p:spPr>
+        <p:txBody>
+          <a:bodyPr>
+            <a:spAutoFit/>
+          </a:bodyPr>
+          <a:lstStyle/>
+          <a:p>
+            <a:pPr eaLnBrk="1" hangingPunct="1"/>
+            <a:r>
+              <a:rPr lang="en-US" sz="2000">
+                <a:latin typeface="Calibri Light" panose="020F0302020204030204" pitchFamily="34" charset="0"/>
+              </a:rPr>
+              <a:t>Regression line always goes through the point:</a:t>
+            </a:r>
+          </a:p>
+          <a:p>
+            <a:endParaRPr lang="en-US" sz="2000">
+              <a:latin typeface="Calibri Light" panose="020F0302020204030204" pitchFamily="34" charset="0"/>
+            </a:endParaRPr>
+          </a:p>
+        </p:txBody>
+      </p:sp>
+    </p:spTree>
+    <p:extLst>
+      <p:ext uri="{BB962C8B-B14F-4D97-AF65-F5344CB8AC3E}">
+        <p14:creationId xmlns:p14="http://schemas.microsoft.com/office/powerpoint/2010/main" val="1492752144"/>
+      </p:ext>
+    </p:extLst>
+  </p:cSld>
+  <p:clrMapOvr>
+    <a:masterClrMapping/>
+  </p:clrMapOvr>
+  <p:timing>
+    <p:tnLst>
+      <p:par>
+        <p:cTn id="1" dur="indefinite" restart="never" nodeType="tmRoot"/>
+      </p:par>
+    </p:tnLst>
+  </p:timing>
+</p:sld>
+</file>
+
 <file path=ppt/slides/slide2.xml><?xml version="1.0" encoding="utf-8"?>
 <p:sld xmlns:a="http://schemas.openxmlformats.org/drawingml/2006/main" xmlns:r="http://schemas.openxmlformats.org/officeDocument/2006/relationships" xmlns:p="http://schemas.openxmlformats.org/presentationml/2006/main">
   <p:cSld>
@@ -4282,7 +6514,7 @@
       </p:grpSpPr>
       <p:sp>
         <p:nvSpPr>
-          <p:cNvPr id="2" name="Title 1"/>
+          <p:cNvPr id="4" name="Title 3"/>
           <p:cNvSpPr>
             <a:spLocks noGrp="1"/>
           </p:cNvSpPr>
@@ -4297,97 +6529,217 @@
           <a:p>
             <a:r>
               <a:rPr lang="en-US" dirty="0" smtClean="0"/>
-              <a:t>Correlation / Causation</a:t>
-            </a:r>
-            <a:endParaRPr lang="en-US" dirty="0"/>
-          </a:p>
-        </p:txBody>
-      </p:sp>
-      <p:sp>
-        <p:nvSpPr>
-          <p:cNvPr id="3" name="Content Placeholder 2"/>
-          <p:cNvSpPr>
-            <a:spLocks noGrp="1"/>
-          </p:cNvSpPr>
-          <p:nvPr>
-            <p:ph idx="1"/>
-          </p:nvPr>
-        </p:nvSpPr>
-        <p:spPr/>
+              <a:t>Linear Regression</a:t>
+            </a:r>
+            <a:endParaRPr lang="he-IL" dirty="0"/>
+          </a:p>
+        </p:txBody>
+      </p:sp>
+      <p:sp>
+        <p:nvSpPr>
+          <p:cNvPr id="6" name="Content Placeholder 5"/>
+          <p:cNvSpPr>
+            <a:spLocks noGrp="1"/>
+          </p:cNvSpPr>
+          <p:nvPr>
+            <p:ph sz="half" idx="1"/>
+          </p:nvPr>
+        </p:nvSpPr>
+        <p:spPr>
+          <a:xfrm>
+            <a:off x="1024127" y="2884714"/>
+            <a:ext cx="4754880" cy="4023360"/>
+          </a:xfrm>
+        </p:spPr>
         <p:txBody>
           <a:bodyPr/>
           <a:lstStyle/>
           <a:p>
-            <a:pPr marL="514350" indent="-514350">
-              <a:lnSpc>
-                <a:spcPct val="120000"/>
-              </a:lnSpc>
-              <a:spcBef>
-                <a:spcPts val="0"/>
-              </a:spcBef>
-              <a:spcAft>
-                <a:spcPts val="600"/>
-              </a:spcAft>
+            <a:r>
+              <a:rPr lang="en-US" dirty="0" smtClean="0">
+                <a:solidFill>
+                  <a:schemeClr val="accent1"/>
+                </a:solidFill>
+              </a:rPr>
+              <a:t>Key terms:</a:t>
+            </a:r>
+            <a:endParaRPr lang="en-US" dirty="0">
+              <a:solidFill>
+                <a:schemeClr val="accent1"/>
+              </a:solidFill>
+            </a:endParaRPr>
+          </a:p>
+          <a:p>
+            <a:pPr marL="457200" indent="-457200">
               <a:buFont typeface="+mj-lt"/>
               <a:buAutoNum type="arabicPeriod"/>
             </a:pPr>
             <a:r>
               <a:rPr lang="en-US" dirty="0" smtClean="0"/>
-              <a:t>Do ice cream sales lead to more </a:t>
-            </a:r>
-            <a:r>
-              <a:rPr lang="en-US" dirty="0" err="1" smtClean="0"/>
-              <a:t>drownings</a:t>
-            </a:r>
-            <a:r>
-              <a:rPr lang="en-US" dirty="0" smtClean="0"/>
-              <a:t>?</a:t>
-            </a:r>
-          </a:p>
-          <a:p>
-            <a:pPr marL="514350" indent="-514350">
-              <a:lnSpc>
-                <a:spcPct val="120000"/>
-              </a:lnSpc>
-              <a:spcBef>
-                <a:spcPts val="0"/>
-              </a:spcBef>
-              <a:spcAft>
-                <a:spcPts val="600"/>
-              </a:spcAft>
+              <a:t>Features</a:t>
+            </a:r>
+          </a:p>
+          <a:p>
+            <a:pPr marL="457200" indent="-457200">
               <a:buFont typeface="+mj-lt"/>
               <a:buAutoNum type="arabicPeriod"/>
             </a:pPr>
             <a:r>
               <a:rPr lang="en-US" dirty="0" smtClean="0"/>
-              <a:t>Big problem with big data – when having many variables</a:t>
-            </a:r>
-            <a:endParaRPr lang="en-US" dirty="0"/>
-          </a:p>
-        </p:txBody>
-      </p:sp>
+              <a:t>Target variables</a:t>
+            </a:r>
+          </a:p>
+          <a:p>
+            <a:pPr marL="457200" indent="-457200">
+              <a:buFont typeface="+mj-lt"/>
+              <a:buAutoNum type="arabicPeriod"/>
+            </a:pPr>
+            <a:r>
+              <a:rPr lang="en-US" dirty="0" smtClean="0"/>
+              <a:t>Coefficients</a:t>
+            </a:r>
+          </a:p>
+          <a:p>
+            <a:pPr marL="470916" lvl="1" indent="-342900">
+              <a:buFont typeface="+mj-lt"/>
+              <a:buAutoNum type="arabicPeriod"/>
+            </a:pPr>
+            <a:r>
+              <a:rPr lang="en-US" dirty="0" smtClean="0"/>
+              <a:t>Slope</a:t>
+            </a:r>
+          </a:p>
+          <a:p>
+            <a:pPr marL="470916" lvl="1" indent="-342900">
+              <a:buFont typeface="+mj-lt"/>
+              <a:buAutoNum type="arabicPeriod"/>
+            </a:pPr>
+            <a:r>
+              <a:rPr lang="en-US" dirty="0" smtClean="0"/>
+              <a:t>Intercept</a:t>
+            </a:r>
+          </a:p>
+          <a:p>
+            <a:pPr marL="457200" indent="-457200">
+              <a:buFont typeface="+mj-lt"/>
+              <a:buAutoNum type="arabicPeriod"/>
+            </a:pPr>
+            <a:r>
+              <a:rPr lang="en-US" dirty="0" smtClean="0"/>
+              <a:t>Loss function</a:t>
+            </a:r>
+          </a:p>
+          <a:p>
+            <a:pPr marL="457200" indent="-457200">
+              <a:buFont typeface="+mj-lt"/>
+              <a:buAutoNum type="arabicPeriod"/>
+            </a:pPr>
+            <a:r>
+              <a:rPr lang="en-US" dirty="0" smtClean="0"/>
+              <a:t>Model fit</a:t>
+            </a:r>
+          </a:p>
+        </p:txBody>
+      </p:sp>
+      <p:pic>
+        <p:nvPicPr>
+          <p:cNvPr id="8" name="Picture 2" descr="http://nbviewer.jupyter.org/github/nborwankar/LearnDataScience/blob/master/notebooks/images/a1fig3_labexperiment_slopeintercept.png"/>
+          <p:cNvPicPr>
+            <a:picLocks noGrp="1" noChangeAspect="1" noChangeArrowheads="1"/>
+          </p:cNvPicPr>
+          <p:nvPr>
+            <p:ph sz="half" idx="2"/>
+          </p:nvPr>
+        </p:nvPicPr>
+        <p:blipFill rotWithShape="1">
+          <a:blip r:embed="rId2">
+            <a:extLst>
+              <a:ext uri="{28A0092B-C50C-407E-A947-70E740481C1C}">
+                <a14:useLocalDpi xmlns:a14="http://schemas.microsoft.com/office/drawing/2010/main" val="0"/>
+              </a:ext>
+            </a:extLst>
+          </a:blip>
+          <a:srcRect l="1010" t="-1" b="1893"/>
+          <a:stretch/>
+        </p:blipFill>
+        <p:spPr bwMode="auto">
+          <a:xfrm>
+            <a:off x="6444342" y="466263"/>
+            <a:ext cx="3810001" cy="2777674"/>
+          </a:xfrm>
+          <a:prstGeom prst="rect">
+            <a:avLst/>
+          </a:prstGeom>
+          <a:noFill/>
+          <a:extLst>
+            <a:ext uri="{909E8E84-426E-40DD-AFC4-6F175D3DCCD1}">
+              <a14:hiddenFill xmlns:a14="http://schemas.microsoft.com/office/drawing/2010/main">
+                <a:solidFill>
+                  <a:srgbClr val="FFFFFF"/>
+                </a:solidFill>
+              </a14:hiddenFill>
+            </a:ext>
+          </a:extLst>
+        </p:spPr>
+      </p:pic>
+      <p:pic>
+        <p:nvPicPr>
+          <p:cNvPr id="7" name="Picture 6"/>
+          <p:cNvPicPr>
+            <a:picLocks noChangeAspect="1"/>
+          </p:cNvPicPr>
+          <p:nvPr/>
+        </p:nvPicPr>
+        <p:blipFill>
+          <a:blip r:embed="rId3"/>
+          <a:stretch>
+            <a:fillRect/>
+          </a:stretch>
+        </p:blipFill>
+        <p:spPr>
+          <a:xfrm>
+            <a:off x="964064" y="2066545"/>
+            <a:ext cx="3324906" cy="709313"/>
+          </a:xfrm>
+          <a:prstGeom prst="rect">
+            <a:avLst/>
+          </a:prstGeom>
+        </p:spPr>
+      </p:pic>
+      <p:pic>
+        <p:nvPicPr>
+          <p:cNvPr id="11" name="Content Placeholder 3"/>
+          <p:cNvPicPr>
+            <a:picLocks noChangeAspect="1"/>
+          </p:cNvPicPr>
+          <p:nvPr/>
+        </p:nvPicPr>
+        <p:blipFill>
+          <a:blip r:embed="rId4"/>
+          <a:stretch>
+            <a:fillRect/>
+          </a:stretch>
+        </p:blipFill>
+        <p:spPr>
+          <a:xfrm>
+            <a:off x="6075956" y="3390443"/>
+            <a:ext cx="3892302" cy="3032125"/>
+          </a:xfrm>
+          <a:prstGeom prst="rect">
+            <a:avLst/>
+          </a:prstGeom>
+        </p:spPr>
+      </p:pic>
     </p:spTree>
     <p:extLst>
       <p:ext uri="{BB962C8B-B14F-4D97-AF65-F5344CB8AC3E}">
-        <p14:creationId xmlns:p14="http://schemas.microsoft.com/office/powerpoint/2010/main" val="1822705052"/>
+        <p14:creationId xmlns:p14="http://schemas.microsoft.com/office/powerpoint/2010/main" val="3313431438"/>
       </p:ext>
     </p:extLst>
   </p:cSld>
   <p:clrMapOvr>
     <a:masterClrMapping/>
   </p:clrMapOvr>
-  <mc:AlternateContent xmlns:mc="http://schemas.openxmlformats.org/markup-compatibility/2006" xmlns:p14="http://schemas.microsoft.com/office/powerpoint/2010/main">
-    <mc:Choice Requires="p14">
-      <p:transition spd="med" p14:dur="700">
-        <p:fade/>
-      </p:transition>
-    </mc:Choice>
-    <mc:Fallback xmlns="">
-      <p:transition spd="med">
-        <p:fade/>
-      </p:transition>
-    </mc:Fallback>
-  </mc:AlternateContent>
   <p:timing>
     <p:tnLst>
       <p:par>
@@ -4415,25 +6767,6 @@
           <a:chExt cx="0" cy="0"/>
         </a:xfrm>
       </p:grpSpPr>
-      <p:sp>
-        <p:nvSpPr>
-          <p:cNvPr id="2" name="Title 1"/>
-          <p:cNvSpPr>
-            <a:spLocks noGrp="1"/>
-          </p:cNvSpPr>
-          <p:nvPr>
-            <p:ph type="title"/>
-          </p:nvPr>
-        </p:nvSpPr>
-        <p:spPr/>
-        <p:txBody>
-          <a:bodyPr/>
-          <a:lstStyle/>
-          <a:p>
-            <a:endParaRPr lang="he-IL"/>
-          </a:p>
-        </p:txBody>
-      </p:sp>
       <p:pic>
         <p:nvPicPr>
           <p:cNvPr id="4" name="Content Placeholder 3"/>
@@ -4452,8 +6785,8 @@
         </p:blipFill>
         <p:spPr>
           <a:xfrm>
-            <a:off x="3302107" y="2286000"/>
-            <a:ext cx="5163923" cy="4022725"/>
+            <a:off x="3398044" y="660400"/>
+            <a:ext cx="5334000" cy="5657850"/>
           </a:xfrm>
           <a:prstGeom prst="rect">
             <a:avLst/>
@@ -4463,13 +6796,20 @@
     </p:spTree>
     <p:extLst>
       <p:ext uri="{BB962C8B-B14F-4D97-AF65-F5344CB8AC3E}">
-        <p14:creationId xmlns:p14="http://schemas.microsoft.com/office/powerpoint/2010/main" val="3967639014"/>
+        <p14:creationId xmlns:p14="http://schemas.microsoft.com/office/powerpoint/2010/main" val="1627226050"/>
       </p:ext>
     </p:extLst>
   </p:cSld>
   <p:clrMapOvr>
     <a:masterClrMapping/>
   </p:clrMapOvr>
+  <p:timing>
+    <p:tnLst>
+      <p:par>
+        <p:cTn id="1" dur="indefinite" restart="never" nodeType="tmRoot"/>
+      </p:par>
+    </p:tnLst>
+  </p:timing>
 </p:sld>
 </file>
 
@@ -4506,8 +6846,12 @@
           <a:lstStyle/>
           <a:p>
             <a:r>
+              <a:rPr lang="en-US" dirty="0" err="1" smtClean="0"/>
+              <a:t>Scikit</a:t>
+            </a:r>
+            <a:r>
               <a:rPr lang="en-US" dirty="0" smtClean="0"/>
-              <a:t>Variance-Bias Trade-off</a:t>
+              <a:t> Learn Code</a:t>
             </a:r>
             <a:endParaRPr lang="he-IL" dirty="0"/>
           </a:p>
@@ -4515,7 +6859,7 @@
       </p:sp>
       <p:sp>
         <p:nvSpPr>
-          <p:cNvPr id="3" name="Content Placeholder 2"/>
+          <p:cNvPr id="5" name="Content Placeholder 4"/>
           <p:cNvSpPr>
             <a:spLocks noGrp="1"/>
           </p:cNvSpPr>
@@ -4528,56 +6872,138 @@
           <a:bodyPr/>
           <a:lstStyle/>
           <a:p>
-            <a:r>
-              <a:rPr lang="en-US" dirty="0"/>
-              <a:t>the expected test MSE, for a given value x0, </a:t>
-            </a:r>
-            <a:r>
-              <a:rPr lang="en-US" dirty="0" smtClean="0"/>
-              <a:t>can always </a:t>
-            </a:r>
-            <a:r>
-              <a:rPr lang="en-US" dirty="0"/>
-              <a:t>be decomposed into the sum of three fundamental quantities: the variance of ˆf(x0), the squared bias of ˆf(x0) and the variance of the error variance bias terms . </a:t>
-            </a:r>
             <a:endParaRPr lang="he-IL" dirty="0"/>
           </a:p>
         </p:txBody>
       </p:sp>
-      <p:pic>
-        <p:nvPicPr>
-          <p:cNvPr id="5" name="Picture 4"/>
-          <p:cNvPicPr>
-            <a:picLocks noChangeAspect="1"/>
-          </p:cNvPicPr>
+      <p:grpSp>
+        <p:nvGrpSpPr>
+          <p:cNvPr id="10" name="Group 9"/>
+          <p:cNvGrpSpPr/>
           <p:nvPr/>
-        </p:nvPicPr>
-        <p:blipFill>
-          <a:blip r:embed="rId2"/>
-          <a:stretch>
-            <a:fillRect/>
-          </a:stretch>
-        </p:blipFill>
-        <p:spPr>
+        </p:nvGrpSpPr>
+        <p:grpSpPr>
           <a:xfrm>
-            <a:off x="3186793" y="4147457"/>
-            <a:ext cx="5753100" cy="762000"/>
+            <a:off x="1031645" y="2274433"/>
+            <a:ext cx="7361241" cy="4186123"/>
+            <a:chOff x="2262187" y="2013176"/>
+            <a:chExt cx="7683274" cy="4369254"/>
           </a:xfrm>
-          <a:prstGeom prst="rect">
-            <a:avLst/>
-          </a:prstGeom>
-        </p:spPr>
-      </p:pic>
+        </p:grpSpPr>
+        <p:pic>
+          <p:nvPicPr>
+            <p:cNvPr id="6" name="Picture 5"/>
+            <p:cNvPicPr>
+              <a:picLocks noChangeAspect="1"/>
+            </p:cNvPicPr>
+            <p:nvPr/>
+          </p:nvPicPr>
+          <p:blipFill>
+            <a:blip r:embed="rId2"/>
+            <a:stretch>
+              <a:fillRect/>
+            </a:stretch>
+          </p:blipFill>
+          <p:spPr>
+            <a:xfrm>
+              <a:off x="2266950" y="3048000"/>
+              <a:ext cx="7658100" cy="762000"/>
+            </a:xfrm>
+            <a:prstGeom prst="rect">
+              <a:avLst/>
+            </a:prstGeom>
+          </p:spPr>
+        </p:pic>
+        <p:pic>
+          <p:nvPicPr>
+            <p:cNvPr id="7" name="Picture 6"/>
+            <p:cNvPicPr>
+              <a:picLocks noChangeAspect="1"/>
+            </p:cNvPicPr>
+            <p:nvPr/>
+          </p:nvPicPr>
+          <p:blipFill>
+            <a:blip r:embed="rId3"/>
+            <a:stretch>
+              <a:fillRect/>
+            </a:stretch>
+          </p:blipFill>
+          <p:spPr>
+            <a:xfrm>
+              <a:off x="2262663" y="2013176"/>
+              <a:ext cx="7667625" cy="981075"/>
+            </a:xfrm>
+            <a:prstGeom prst="rect">
+              <a:avLst/>
+            </a:prstGeom>
+          </p:spPr>
+        </p:pic>
+        <p:pic>
+          <p:nvPicPr>
+            <p:cNvPr id="8" name="Picture 7"/>
+            <p:cNvPicPr>
+              <a:picLocks noChangeAspect="1"/>
+            </p:cNvPicPr>
+            <p:nvPr/>
+          </p:nvPicPr>
+          <p:blipFill>
+            <a:blip r:embed="rId4"/>
+            <a:stretch>
+              <a:fillRect/>
+            </a:stretch>
+          </p:blipFill>
+          <p:spPr>
+            <a:xfrm>
+              <a:off x="2262187" y="3864428"/>
+              <a:ext cx="7667625" cy="762000"/>
+            </a:xfrm>
+            <a:prstGeom prst="rect">
+              <a:avLst/>
+            </a:prstGeom>
+          </p:spPr>
+        </p:pic>
+        <p:pic>
+          <p:nvPicPr>
+            <p:cNvPr id="9" name="Picture 8"/>
+            <p:cNvPicPr>
+              <a:picLocks noChangeAspect="1"/>
+            </p:cNvPicPr>
+            <p:nvPr/>
+          </p:nvPicPr>
+          <p:blipFill>
+            <a:blip r:embed="rId5"/>
+            <a:stretch>
+              <a:fillRect/>
+            </a:stretch>
+          </p:blipFill>
+          <p:spPr>
+            <a:xfrm>
+              <a:off x="2268311" y="4677455"/>
+              <a:ext cx="7677150" cy="1704975"/>
+            </a:xfrm>
+            <a:prstGeom prst="rect">
+              <a:avLst/>
+            </a:prstGeom>
+          </p:spPr>
+        </p:pic>
+      </p:grpSp>
     </p:spTree>
     <p:extLst>
       <p:ext uri="{BB962C8B-B14F-4D97-AF65-F5344CB8AC3E}">
-        <p14:creationId xmlns:p14="http://schemas.microsoft.com/office/powerpoint/2010/main" val="301097717"/>
+        <p14:creationId xmlns:p14="http://schemas.microsoft.com/office/powerpoint/2010/main" val="4242870734"/>
       </p:ext>
     </p:extLst>
   </p:cSld>
   <p:clrMapOvr>
     <a:masterClrMapping/>
   </p:clrMapOvr>
+  <p:timing>
+    <p:tnLst>
+      <p:par>
+        <p:cTn id="1" dur="indefinite" restart="never" nodeType="tmRoot"/>
+      </p:par>
+    </p:tnLst>
+  </p:timing>
 </p:sld>
 </file>
 
@@ -4613,59 +7039,68 @@
           <a:bodyPr/>
           <a:lstStyle/>
           <a:p>
-            <a:endParaRPr lang="he-IL"/>
-          </a:p>
-        </p:txBody>
-      </p:sp>
-      <p:sp>
-        <p:nvSpPr>
-          <p:cNvPr id="3" name="Content Placeholder 2"/>
-          <p:cNvSpPr>
-            <a:spLocks noGrp="1"/>
-          </p:cNvSpPr>
+            <a:r>
+              <a:rPr lang="en-US" dirty="0" smtClean="0"/>
+              <a:t>Methods</a:t>
+            </a:r>
+            <a:endParaRPr lang="he-IL" dirty="0"/>
+          </a:p>
+        </p:txBody>
+      </p:sp>
+      <p:pic>
+        <p:nvPicPr>
+          <p:cNvPr id="4" name="Content Placeholder 3"/>
+          <p:cNvPicPr>
+            <a:picLocks noGrp="1" noChangeAspect="1"/>
+          </p:cNvPicPr>
           <p:nvPr>
             <p:ph idx="1"/>
           </p:nvPr>
-        </p:nvSpPr>
-        <p:spPr/>
-        <p:txBody>
-          <a:bodyPr/>
-          <a:lstStyle/>
-          <a:p>
-            <a:r>
-              <a:rPr lang="en-US" dirty="0"/>
-              <a:t>Variance refers to the amount by which ˆf would change if we estimated it using a different training data </a:t>
-            </a:r>
-            <a:r>
-              <a:rPr lang="en-US" dirty="0" smtClean="0"/>
-              <a:t>set</a:t>
-            </a:r>
-          </a:p>
-          <a:p>
-            <a:r>
-              <a:rPr lang="en-US" dirty="0"/>
-              <a:t>bias refers to the error that is introduced by approximating a real-life problem, which may be extremely complicated, by a much simpler model</a:t>
-            </a:r>
-          </a:p>
-          <a:p>
-            <a:r>
-              <a:rPr lang="en-US" dirty="0"/>
-              <a:t>as we use more flexible methods, the variance will increase and the bias will decrease</a:t>
-            </a:r>
-            <a:r>
-              <a:rPr lang="en-US" dirty="0" smtClean="0"/>
-              <a:t>.</a:t>
-            </a:r>
-          </a:p>
-          <a:p>
-            <a:endParaRPr lang="he-IL" dirty="0"/>
-          </a:p>
-        </p:txBody>
-      </p:sp>
+        </p:nvPicPr>
+        <p:blipFill>
+          <a:blip r:embed="rId2"/>
+          <a:stretch>
+            <a:fillRect/>
+          </a:stretch>
+        </p:blipFill>
+        <p:spPr>
+          <a:xfrm>
+            <a:off x="954881" y="3260498"/>
+            <a:ext cx="9096375" cy="1790700"/>
+          </a:xfrm>
+          <a:prstGeom prst="rect">
+            <a:avLst/>
+          </a:prstGeom>
+        </p:spPr>
+      </p:pic>
+      <p:pic>
+        <p:nvPicPr>
+          <p:cNvPr id="5" name="Picture 4"/>
+          <p:cNvPicPr>
+            <a:picLocks noChangeAspect="1"/>
+          </p:cNvPicPr>
+          <p:nvPr/>
+        </p:nvPicPr>
+        <p:blipFill>
+          <a:blip r:embed="rId3"/>
+          <a:stretch>
+            <a:fillRect/>
+          </a:stretch>
+        </p:blipFill>
+        <p:spPr>
+          <a:xfrm>
+            <a:off x="892088" y="2360830"/>
+            <a:ext cx="9505950" cy="733425"/>
+          </a:xfrm>
+          <a:prstGeom prst="rect">
+            <a:avLst/>
+          </a:prstGeom>
+        </p:spPr>
+      </p:pic>
     </p:spTree>
     <p:extLst>
       <p:ext uri="{BB962C8B-B14F-4D97-AF65-F5344CB8AC3E}">
-        <p14:creationId xmlns:p14="http://schemas.microsoft.com/office/powerpoint/2010/main" val="563405817"/>
+        <p14:creationId xmlns:p14="http://schemas.microsoft.com/office/powerpoint/2010/main" val="4197677700"/>
       </p:ext>
     </p:extLst>
   </p:cSld>
@@ -4694,9 +7129,9 @@
       </p:grpSpPr>
       <p:sp>
         <p:nvSpPr>
-          <p:cNvPr id="2" name="Title 1"/>
-          <p:cNvSpPr>
-            <a:spLocks noGrp="1"/>
+          <p:cNvPr id="75778" name="Rectangle 2"/>
+          <p:cNvSpPr>
+            <a:spLocks noGrp="1" noChangeArrowheads="1"/>
           </p:cNvSpPr>
           <p:nvPr>
             <p:ph type="title"/>
@@ -4704,39 +7139,100 @@
         </p:nvSpPr>
         <p:spPr/>
         <p:txBody>
-          <a:bodyPr/>
+          <a:bodyPr>
+            <a:normAutofit/>
+          </a:bodyPr>
           <a:lstStyle/>
           <a:p>
+            <a:pPr eaLnBrk="1" hangingPunct="1"/>
+            <a:r>
+              <a:rPr lang="en-US" dirty="0"/>
+              <a:t>Analysis of </a:t>
+            </a:r>
             <a:r>
               <a:rPr lang="en-US" dirty="0" smtClean="0"/>
-              <a:t>Limitations</a:t>
-            </a:r>
-            <a:endParaRPr lang="he-IL" dirty="0"/>
-          </a:p>
-        </p:txBody>
-      </p:sp>
-      <p:sp>
-        <p:nvSpPr>
-          <p:cNvPr id="3" name="Content Placeholder 2"/>
-          <p:cNvSpPr>
-            <a:spLocks noGrp="1"/>
-          </p:cNvSpPr>
-          <p:nvPr>
-            <p:ph idx="1"/>
+              <a:t>Residuals</a:t>
+            </a:r>
+            <a:endParaRPr lang="en-US" dirty="0"/>
+          </a:p>
+        </p:txBody>
+      </p:sp>
+      <p:sp>
+        <p:nvSpPr>
+          <p:cNvPr id="75779" name="Rectangle 3"/>
+          <p:cNvSpPr>
+            <a:spLocks noGrp="1" noChangeArrowheads="1"/>
+          </p:cNvSpPr>
+          <p:nvPr>
+            <p:ph type="body" idx="1"/>
           </p:nvPr>
         </p:nvSpPr>
         <p:spPr/>
         <p:txBody>
-          <a:bodyPr/>
+          <a:bodyPr>
+            <a:normAutofit/>
+          </a:bodyPr>
           <a:lstStyle/>
+          <a:p>
+            <a:pPr marL="457200" indent="-457200" eaLnBrk="1" hangingPunct="1">
+              <a:lnSpc>
+                <a:spcPct val="90000"/>
+              </a:lnSpc>
+              <a:buFont typeface="+mj-lt"/>
+              <a:buAutoNum type="arabicPeriod"/>
+            </a:pPr>
+            <a:r>
+              <a:rPr lang="en-US" dirty="0"/>
+              <a:t>A histogram </a:t>
+            </a:r>
+            <a:r>
+              <a:rPr lang="en-US" dirty="0" smtClean="0"/>
+              <a:t>/ QQ-plot of </a:t>
+            </a:r>
+            <a:r>
+              <a:rPr lang="en-US" dirty="0"/>
+              <a:t>the </a:t>
+            </a:r>
+            <a:r>
+              <a:rPr lang="en-US" dirty="0" smtClean="0"/>
+              <a:t>residuals - check the </a:t>
+            </a:r>
+            <a:r>
+              <a:rPr lang="en-US" dirty="0"/>
+              <a:t>normality </a:t>
+            </a:r>
+            <a:r>
+              <a:rPr lang="en-US" dirty="0" smtClean="0"/>
+              <a:t>assumption</a:t>
+            </a:r>
+          </a:p>
           <a:p>
             <a:pPr marL="457200" indent="-457200">
               <a:buFont typeface="+mj-lt"/>
               <a:buAutoNum type="arabicPeriod"/>
             </a:pPr>
             <a:r>
+              <a:rPr lang="en-US" dirty="0"/>
+              <a:t>Plot of residuals against fitted values or the independent variable </a:t>
+            </a:r>
+            <a:r>
               <a:rPr lang="en-US" dirty="0" smtClean="0"/>
-              <a:t>Works only on numeric features</a:t>
+              <a:t/>
+            </a:r>
+            <a:br>
+              <a:rPr lang="en-US" dirty="0" smtClean="0"/>
+            </a:br>
+            <a:r>
+              <a:rPr lang="en-US" dirty="0" smtClean="0"/>
+              <a:t>- check </a:t>
+            </a:r>
+            <a:r>
+              <a:rPr lang="en-US" dirty="0"/>
+              <a:t>the assumption of constant variance and the aptness of the </a:t>
+            </a:r>
+            <a:r>
+              <a:rPr lang="en-US" dirty="0" smtClean="0"/>
+              <a:t>model.</a:t>
             </a:r>
           </a:p>
           <a:p>
@@ -4745,57 +7241,66 @@
               <a:buAutoNum type="arabicPeriod"/>
             </a:pPr>
             <a:r>
+              <a:rPr lang="en-US" sz="2200" dirty="0" smtClean="0"/>
+              <a:t>Plot of residuals </a:t>
+            </a:r>
+            <a:r>
+              <a:rPr lang="en-US" sz="2200" dirty="0"/>
+              <a:t>over time if the data are  </a:t>
+            </a:r>
+            <a:r>
+              <a:rPr lang="en-US" sz="2200" dirty="0" smtClean="0"/>
+              <a:t>chronological</a:t>
+            </a:r>
+            <a:endParaRPr lang="en-US" sz="2200" dirty="0"/>
+          </a:p>
+          <a:p>
+            <a:pPr marL="0" indent="0" eaLnBrk="1" hangingPunct="1">
+              <a:lnSpc>
+                <a:spcPct val="90000"/>
+              </a:lnSpc>
+              <a:buNone/>
+            </a:pPr>
+            <a:r>
               <a:rPr lang="en-US" dirty="0" smtClean="0"/>
-              <a:t>Doesn’t handle missing values well</a:t>
-            </a:r>
-          </a:p>
-          <a:p>
-            <a:pPr marL="457200" indent="-457200">
-              <a:buFont typeface="+mj-lt"/>
-              <a:buAutoNum type="arabicPeriod"/>
+              <a:t>Regression is </a:t>
+            </a:r>
+            <a:r>
+              <a:rPr lang="en-US" dirty="0"/>
+              <a:t>robust against moderate lack of </a:t>
+            </a:r>
+            <a:r>
+              <a:rPr lang="en-US" dirty="0" smtClean="0"/>
+              <a:t>Normality</a:t>
+            </a:r>
+          </a:p>
+          <a:p>
+            <a:pPr marL="0" indent="0" eaLnBrk="1" hangingPunct="1">
+              <a:lnSpc>
+                <a:spcPct val="90000"/>
+              </a:lnSpc>
+              <a:buNone/>
             </a:pPr>
             <a:r>
               <a:rPr lang="en-US" dirty="0" smtClean="0"/>
-              <a:t>Sensitive to outliers</a:t>
-            </a:r>
-          </a:p>
-          <a:p>
-            <a:pPr marL="457200" indent="-457200">
-              <a:buFont typeface="+mj-lt"/>
-              <a:buAutoNum type="arabicPeriod"/>
-            </a:pPr>
+              <a:t>Outliers </a:t>
+            </a:r>
+            <a:r>
+              <a:rPr lang="en-US" dirty="0"/>
+              <a:t>and influential observations can invalidate the results of inference for </a:t>
+            </a:r>
             <a:r>
               <a:rPr lang="en-US" dirty="0" smtClean="0"/>
-              <a:t>Assumes linear relationships</a:t>
-            </a:r>
-          </a:p>
-          <a:p>
-            <a:pPr marL="457200" indent="-457200">
-              <a:buFont typeface="+mj-lt"/>
-              <a:buAutoNum type="arabicPeriod"/>
-            </a:pPr>
-            <a:r>
-              <a:rPr lang="en-US" dirty="0" smtClean="0"/>
-              <a:t>Doesn’t handle </a:t>
-            </a:r>
-            <a:r>
-              <a:rPr lang="en-US" dirty="0" err="1" smtClean="0"/>
-              <a:t>colinearity</a:t>
-            </a:r>
-            <a:r>
-              <a:rPr lang="en-US" dirty="0" smtClean="0"/>
-              <a:t> well</a:t>
-            </a:r>
-          </a:p>
-          <a:p>
-            <a:endParaRPr lang="en-US" dirty="0" smtClean="0"/>
+              <a:t>regression</a:t>
+            </a:r>
+            <a:endParaRPr lang="en-US" dirty="0"/>
           </a:p>
         </p:txBody>
       </p:sp>
     </p:spTree>
     <p:extLst>
       <p:ext uri="{BB962C8B-B14F-4D97-AF65-F5344CB8AC3E}">
-        <p14:creationId xmlns:p14="http://schemas.microsoft.com/office/powerpoint/2010/main" val="2370578790"/>
+        <p14:creationId xmlns:p14="http://schemas.microsoft.com/office/powerpoint/2010/main" val="2231991499"/>
       </p:ext>
     </p:extLst>
   </p:cSld>
@@ -4824,12 +7329,12 @@
       </p:grpSpPr>
       <p:sp>
         <p:nvSpPr>
-          <p:cNvPr id="2" name="Title 1"/>
-          <p:cNvSpPr>
-            <a:spLocks noGrp="1"/>
-          </p:cNvSpPr>
-          <p:nvPr>
-            <p:ph type="title"/>
+          <p:cNvPr id="4" name="Text Placeholder 3"/>
+          <p:cNvSpPr>
+            <a:spLocks noGrp="1"/>
+          </p:cNvSpPr>
+          <p:nvPr>
+            <p:ph type="body" sz="half" idx="2"/>
           </p:nvPr>
         </p:nvSpPr>
         <p:spPr/>
@@ -4838,21 +7343,24 @@
           <a:lstStyle/>
           <a:p>
             <a:r>
-              <a:rPr lang="en-US" dirty="0" smtClean="0"/>
-              <a:t>Classification</a:t>
+              <a:rPr lang="en-US" dirty="0"/>
+              <a:t>Useful in studying whether a regression model is appropriate for the data</a:t>
             </a:r>
             <a:endParaRPr lang="he-IL" dirty="0"/>
           </a:p>
-        </p:txBody>
-      </p:sp>
-      <p:sp>
-        <p:nvSpPr>
-          <p:cNvPr id="3" name="Content Placeholder 2"/>
-          <p:cNvSpPr>
-            <a:spLocks noGrp="1"/>
-          </p:cNvSpPr>
-          <p:nvPr>
-            <p:ph idx="1"/>
+          <a:p>
+            <a:endParaRPr lang="he-IL" dirty="0"/>
+          </a:p>
+        </p:txBody>
+      </p:sp>
+      <p:sp>
+        <p:nvSpPr>
+          <p:cNvPr id="2" name="Title 1"/>
+          <p:cNvSpPr>
+            <a:spLocks noGrp="1"/>
+          </p:cNvSpPr>
+          <p:nvPr>
+            <p:ph type="title"/>
           </p:nvPr>
         </p:nvSpPr>
         <p:spPr/>
@@ -4861,21 +7369,619 @@
           <a:lstStyle/>
           <a:p>
             <a:r>
+              <a:rPr lang="en-US" dirty="0" err="1" smtClean="0"/>
+              <a:t>residplot</a:t>
+            </a:r>
+            <a:r>
               <a:rPr lang="en-US" dirty="0" smtClean="0"/>
-              <a:t>One can show that the </a:t>
-            </a:r>
-            <a:r>
-              <a:rPr lang="en-US" dirty="0"/>
-              <a:t>test error rate given in (2.9) is minimized, on average, by a very simple classifier that assigns each observation to the most likely class, given its predictor values</a:t>
+              <a:t> - Residuals</a:t>
             </a:r>
             <a:endParaRPr lang="he-IL" dirty="0"/>
           </a:p>
         </p:txBody>
       </p:sp>
+      <p:pic>
+        <p:nvPicPr>
+          <p:cNvPr id="5" name="Picture 4"/>
+          <p:cNvPicPr>
+            <a:picLocks noChangeAspect="1"/>
+          </p:cNvPicPr>
+          <p:nvPr/>
+        </p:nvPicPr>
+        <p:blipFill>
+          <a:blip r:embed="rId2"/>
+          <a:stretch>
+            <a:fillRect/>
+          </a:stretch>
+        </p:blipFill>
+        <p:spPr>
+          <a:xfrm>
+            <a:off x="1027416" y="3218868"/>
+            <a:ext cx="3800475" cy="2238375"/>
+          </a:xfrm>
+          <a:prstGeom prst="rect">
+            <a:avLst/>
+          </a:prstGeom>
+        </p:spPr>
+      </p:pic>
+      <p:pic>
+        <p:nvPicPr>
+          <p:cNvPr id="2050" name="Picture 2" descr="../_images/residplot.png"/>
+          <p:cNvPicPr>
+            <a:picLocks noGrp="1" noChangeAspect="1" noChangeArrowheads="1"/>
+          </p:cNvPicPr>
+          <p:nvPr>
+            <p:ph idx="1"/>
+          </p:nvPr>
+        </p:nvPicPr>
+        <p:blipFill>
+          <a:blip r:embed="rId3">
+            <a:extLst>
+              <a:ext uri="{28A0092B-C50C-407E-A947-70E740481C1C}">
+                <a14:useLocalDpi xmlns:a14="http://schemas.microsoft.com/office/drawing/2010/main" val="0"/>
+              </a:ext>
+            </a:extLst>
+          </a:blip>
+          <a:srcRect/>
+          <a:stretch>
+            <a:fillRect/>
+          </a:stretch>
+        </p:blipFill>
+        <p:spPr bwMode="auto">
+          <a:xfrm>
+            <a:off x="5715000" y="1346201"/>
+            <a:ext cx="5678488" cy="4137022"/>
+          </a:xfrm>
+          <a:prstGeom prst="rect">
+            <a:avLst/>
+          </a:prstGeom>
+          <a:noFill/>
+          <a:extLst>
+            <a:ext uri="{909E8E84-426E-40DD-AFC4-6F175D3DCCD1}">
+              <a14:hiddenFill xmlns:a14="http://schemas.microsoft.com/office/drawing/2010/main">
+                <a:solidFill>
+                  <a:srgbClr val="FFFFFF"/>
+                </a:solidFill>
+              </a14:hiddenFill>
+            </a:ext>
+          </a:extLst>
+        </p:spPr>
+      </p:pic>
     </p:spTree>
     <p:extLst>
       <p:ext uri="{BB962C8B-B14F-4D97-AF65-F5344CB8AC3E}">
-        <p14:creationId xmlns:p14="http://schemas.microsoft.com/office/powerpoint/2010/main" val="33582999"/>
+        <p14:creationId xmlns:p14="http://schemas.microsoft.com/office/powerpoint/2010/main" val="3355947463"/>
+      </p:ext>
+    </p:extLst>
+  </p:cSld>
+  <p:clrMapOvr>
+    <a:masterClrMapping/>
+  </p:clrMapOvr>
+  <mc:AlternateContent xmlns:mc="http://schemas.openxmlformats.org/markup-compatibility/2006">
+    <mc:Choice xmlns:p14="http://schemas.microsoft.com/office/powerpoint/2010/main" Requires="p14">
+      <p:transition spd="med" p14:dur="700">
+        <p:fade/>
+      </p:transition>
+    </mc:Choice>
+    <mc:Fallback>
+      <p:transition spd="med">
+        <p:fade/>
+      </p:transition>
+    </mc:Fallback>
+  </mc:AlternateContent>
+  <p:timing>
+    <p:tnLst>
+      <p:par>
+        <p:cTn id="1" dur="indefinite" restart="never" nodeType="tmRoot"/>
+      </p:par>
+    </p:tnLst>
+  </p:timing>
+</p:sld>
+</file>
+
+<file path=ppt/slides/slide8.xml><?xml version="1.0" encoding="utf-8"?>
+<p:sld xmlns:a="http://schemas.openxmlformats.org/drawingml/2006/main" xmlns:r="http://schemas.openxmlformats.org/officeDocument/2006/relationships" xmlns:p="http://schemas.openxmlformats.org/presentationml/2006/main">
+  <p:cSld>
+    <p:spTree>
+      <p:nvGrpSpPr>
+        <p:cNvPr id="1" name=""/>
+        <p:cNvGrpSpPr/>
+        <p:nvPr/>
+      </p:nvGrpSpPr>
+      <p:grpSpPr>
+        <a:xfrm>
+          <a:off x="0" y="0"/>
+          <a:ext cx="0" cy="0"/>
+          <a:chOff x="0" y="0"/>
+          <a:chExt cx="0" cy="0"/>
+        </a:xfrm>
+      </p:grpSpPr>
+      <p:sp>
+        <p:nvSpPr>
+          <p:cNvPr id="4" name="Title 3"/>
+          <p:cNvSpPr>
+            <a:spLocks noGrp="1"/>
+          </p:cNvSpPr>
+          <p:nvPr>
+            <p:ph type="title"/>
+          </p:nvPr>
+        </p:nvSpPr>
+        <p:spPr/>
+        <p:txBody>
+          <a:bodyPr/>
+          <a:lstStyle/>
+          <a:p>
+            <a:r>
+              <a:rPr lang="en-US" dirty="0" smtClean="0"/>
+              <a:t>Residuals Plots</a:t>
+            </a:r>
+            <a:endParaRPr lang="he-IL" dirty="0"/>
+          </a:p>
+        </p:txBody>
+      </p:sp>
+      <p:sp>
+        <p:nvSpPr>
+          <p:cNvPr id="5" name="Text Placeholder 4"/>
+          <p:cNvSpPr>
+            <a:spLocks noGrp="1"/>
+          </p:cNvSpPr>
+          <p:nvPr>
+            <p:ph type="body" idx="1"/>
+          </p:nvPr>
+        </p:nvSpPr>
+        <p:spPr/>
+        <p:txBody>
+          <a:bodyPr/>
+          <a:lstStyle/>
+          <a:p>
+            <a:r>
+              <a:rPr lang="en-US" dirty="0" smtClean="0"/>
+              <a:t>Non linear relationship</a:t>
+            </a:r>
+            <a:endParaRPr lang="he-IL" dirty="0"/>
+          </a:p>
+        </p:txBody>
+      </p:sp>
+      <p:sp>
+        <p:nvSpPr>
+          <p:cNvPr id="7" name="Text Placeholder 6"/>
+          <p:cNvSpPr>
+            <a:spLocks noGrp="1"/>
+          </p:cNvSpPr>
+          <p:nvPr>
+            <p:ph type="body" sz="quarter" idx="3"/>
+          </p:nvPr>
+        </p:nvSpPr>
+        <p:spPr/>
+        <p:txBody>
+          <a:bodyPr/>
+          <a:lstStyle/>
+          <a:p>
+            <a:r>
+              <a:rPr lang="en-US" dirty="0" smtClean="0"/>
+              <a:t>Larger spread for larger X</a:t>
+            </a:r>
+            <a:endParaRPr lang="he-IL" dirty="0"/>
+          </a:p>
+        </p:txBody>
+      </p:sp>
+      <p:pic>
+        <p:nvPicPr>
+          <p:cNvPr id="9" name="Content Placeholder 8" descr="figure-02-17b.JPG                                              000246F3&#10;production                     B8414D3D:"/>
+          <p:cNvPicPr>
+            <a:picLocks noGrp="1" noChangeAspect="1" noChangeArrowheads="1"/>
+          </p:cNvPicPr>
+          <p:nvPr>
+            <p:ph sz="half" idx="2"/>
+          </p:nvPr>
+        </p:nvPicPr>
+        <p:blipFill>
+          <a:blip r:embed="rId2" cstate="print">
+            <a:extLst>
+              <a:ext uri="{28A0092B-C50C-407E-A947-70E740481C1C}">
+                <a14:useLocalDpi xmlns:a14="http://schemas.microsoft.com/office/drawing/2010/main" val="0"/>
+              </a:ext>
+            </a:extLst>
+          </a:blip>
+          <a:srcRect/>
+          <a:stretch>
+            <a:fillRect/>
+          </a:stretch>
+        </p:blipFill>
+        <p:spPr bwMode="auto">
+          <a:xfrm>
+            <a:off x="1023938" y="3707346"/>
+            <a:ext cx="4754562" cy="1861071"/>
+          </a:xfrm>
+          <a:prstGeom prst="rect">
+            <a:avLst/>
+          </a:prstGeom>
+          <a:noFill/>
+          <a:ln>
+            <a:noFill/>
+          </a:ln>
+          <a:extLst>
+            <a:ext uri="{909E8E84-426E-40DD-AFC4-6F175D3DCCD1}">
+              <a14:hiddenFill xmlns:a14="http://schemas.microsoft.com/office/drawing/2010/main">
+                <a:solidFill>
+                  <a:srgbClr val="FFFFFF"/>
+                </a:solidFill>
+              </a14:hiddenFill>
+            </a:ext>
+            <a:ext uri="{91240B29-F687-4F45-9708-019B960494DF}">
+              <a14:hiddenLine xmlns:a14="http://schemas.microsoft.com/office/drawing/2010/main" w="9525">
+                <a:solidFill>
+                  <a:srgbClr val="000000"/>
+                </a:solidFill>
+                <a:miter lim="800000"/>
+                <a:headEnd/>
+                <a:tailEnd/>
+              </a14:hiddenLine>
+            </a:ext>
+          </a:extLst>
+        </p:spPr>
+      </p:pic>
+      <p:pic>
+        <p:nvPicPr>
+          <p:cNvPr id="10" name="Content Placeholder 9" descr="figure-02-17c.JPG                                              000246F3&#10;production                     B8414D3D:"/>
+          <p:cNvPicPr>
+            <a:picLocks noGrp="1" noChangeAspect="1" noChangeArrowheads="1"/>
+          </p:cNvPicPr>
+          <p:nvPr>
+            <p:ph sz="quarter" idx="4"/>
+          </p:nvPr>
+        </p:nvPicPr>
+        <p:blipFill>
+          <a:blip r:embed="rId3" cstate="print">
+            <a:extLst>
+              <a:ext uri="{28A0092B-C50C-407E-A947-70E740481C1C}">
+                <a14:useLocalDpi xmlns:a14="http://schemas.microsoft.com/office/drawing/2010/main" val="0"/>
+              </a:ext>
+            </a:extLst>
+          </a:blip>
+          <a:srcRect/>
+          <a:stretch>
+            <a:fillRect/>
+          </a:stretch>
+        </p:blipFill>
+        <p:spPr bwMode="auto">
+          <a:xfrm>
+            <a:off x="5991225" y="3700553"/>
+            <a:ext cx="4754563" cy="1874656"/>
+          </a:xfrm>
+          <a:prstGeom prst="rect">
+            <a:avLst/>
+          </a:prstGeom>
+          <a:noFill/>
+          <a:ln>
+            <a:noFill/>
+          </a:ln>
+          <a:extLst>
+            <a:ext uri="{909E8E84-426E-40DD-AFC4-6F175D3DCCD1}">
+              <a14:hiddenFill xmlns:a14="http://schemas.microsoft.com/office/drawing/2010/main">
+                <a:solidFill>
+                  <a:srgbClr val="FFFFFF"/>
+                </a:solidFill>
+              </a14:hiddenFill>
+            </a:ext>
+            <a:ext uri="{91240B29-F687-4F45-9708-019B960494DF}">
+              <a14:hiddenLine xmlns:a14="http://schemas.microsoft.com/office/drawing/2010/main" w="9525">
+                <a:solidFill>
+                  <a:srgbClr val="000000"/>
+                </a:solidFill>
+                <a:miter lim="800000"/>
+                <a:headEnd/>
+                <a:tailEnd/>
+              </a14:hiddenLine>
+            </a:ext>
+          </a:extLst>
+        </p:spPr>
+      </p:pic>
+    </p:spTree>
+    <p:extLst>
+      <p:ext uri="{BB962C8B-B14F-4D97-AF65-F5344CB8AC3E}">
+        <p14:creationId xmlns:p14="http://schemas.microsoft.com/office/powerpoint/2010/main" val="30350694"/>
+      </p:ext>
+    </p:extLst>
+  </p:cSld>
+  <p:clrMapOvr>
+    <a:masterClrMapping/>
+  </p:clrMapOvr>
+</p:sld>
+</file>
+
+<file path=ppt/slides/slide9.xml><?xml version="1.0" encoding="utf-8"?>
+<p:sld xmlns:a="http://schemas.openxmlformats.org/drawingml/2006/main" xmlns:r="http://schemas.openxmlformats.org/officeDocument/2006/relationships" xmlns:p="http://schemas.openxmlformats.org/presentationml/2006/main">
+  <p:cSld>
+    <p:spTree>
+      <p:nvGrpSpPr>
+        <p:cNvPr id="1" name=""/>
+        <p:cNvGrpSpPr/>
+        <p:nvPr/>
+      </p:nvGrpSpPr>
+      <p:grpSpPr>
+        <a:xfrm>
+          <a:off x="0" y="0"/>
+          <a:ext cx="0" cy="0"/>
+          <a:chOff x="0" y="0"/>
+          <a:chExt cx="0" cy="0"/>
+        </a:xfrm>
+      </p:grpSpPr>
+      <p:sp>
+        <p:nvSpPr>
+          <p:cNvPr id="19460" name="Rectangle 2"/>
+          <p:cNvSpPr>
+            <a:spLocks noGrp="1" noChangeArrowheads="1"/>
+          </p:cNvSpPr>
+          <p:nvPr>
+            <p:ph type="title"/>
+          </p:nvPr>
+        </p:nvSpPr>
+        <p:spPr/>
+        <p:txBody>
+          <a:bodyPr/>
+          <a:lstStyle/>
+          <a:p>
+            <a:pPr eaLnBrk="1" hangingPunct="1"/>
+            <a:r>
+              <a:rPr lang="en-US" dirty="0" smtClean="0"/>
+              <a:t>Variable transformations</a:t>
+            </a:r>
+          </a:p>
+        </p:txBody>
+      </p:sp>
+      <p:sp>
+        <p:nvSpPr>
+          <p:cNvPr id="19461" name="Rectangle 3"/>
+          <p:cNvSpPr>
+            <a:spLocks noGrp="1" noChangeArrowheads="1"/>
+          </p:cNvSpPr>
+          <p:nvPr>
+            <p:ph idx="1"/>
+          </p:nvPr>
+        </p:nvSpPr>
+        <p:spPr/>
+        <p:txBody>
+          <a:bodyPr>
+            <a:noAutofit/>
+          </a:bodyPr>
+          <a:lstStyle/>
+          <a:p>
+            <a:pPr eaLnBrk="1" hangingPunct="1">
+              <a:lnSpc>
+                <a:spcPct val="90000"/>
+              </a:lnSpc>
+            </a:pPr>
+            <a:r>
+              <a:rPr lang="en-US" sz="2800" dirty="0" smtClean="0"/>
+              <a:t>Transformations can stabilize the variance</a:t>
+            </a:r>
+            <a:endParaRPr lang="en-US" sz="2800" dirty="0"/>
+          </a:p>
+          <a:p>
+            <a:r>
+              <a:rPr lang="en-US" sz="2800" dirty="0"/>
+              <a:t>Transformations can </a:t>
+            </a:r>
+            <a:r>
+              <a:rPr lang="en-US" sz="2800" dirty="0" smtClean="0"/>
+              <a:t>turn non-linear relationships into approximately linear</a:t>
+            </a:r>
+          </a:p>
+          <a:p>
+            <a:r>
+              <a:rPr lang="en-US" sz="2800" dirty="0" smtClean="0"/>
+              <a:t>Common </a:t>
+            </a:r>
+            <a:r>
+              <a:rPr lang="en-US" sz="2800" dirty="0"/>
+              <a:t>linearizing transformations are</a:t>
+            </a:r>
+            <a:r>
+              <a:rPr lang="en-US" sz="2800" dirty="0" smtClean="0"/>
+              <a:t>:</a:t>
+            </a:r>
+            <a:endParaRPr lang="en-US" sz="200" dirty="0" smtClean="0"/>
+          </a:p>
+          <a:p>
+            <a:pPr eaLnBrk="1" hangingPunct="1">
+              <a:lnSpc>
+                <a:spcPct val="90000"/>
+              </a:lnSpc>
+            </a:pPr>
+            <a:endParaRPr lang="en-US" sz="2800" dirty="0" smtClean="0"/>
+          </a:p>
+          <a:p>
+            <a:pPr eaLnBrk="1" hangingPunct="1">
+              <a:lnSpc>
+                <a:spcPct val="90000"/>
+              </a:lnSpc>
+            </a:pPr>
+            <a:r>
+              <a:rPr lang="en-US" sz="2800" dirty="0" smtClean="0"/>
+              <a:t>Variance </a:t>
+            </a:r>
+            <a:r>
+              <a:rPr lang="en-US" sz="2800" dirty="0"/>
+              <a:t>stabilizing transformations are:</a:t>
+            </a:r>
+          </a:p>
+          <a:p>
+            <a:pPr eaLnBrk="1" hangingPunct="1">
+              <a:lnSpc>
+                <a:spcPct val="90000"/>
+              </a:lnSpc>
+              <a:buFont typeface="Wingdings" panose="05000000000000000000" pitchFamily="2" charset="2"/>
+              <a:buNone/>
+            </a:pPr>
+            <a:r>
+              <a:rPr lang="en-US" sz="2800" dirty="0"/>
+              <a:t>		</a:t>
+            </a:r>
+          </a:p>
+          <a:p>
+            <a:pPr eaLnBrk="1" hangingPunct="1">
+              <a:lnSpc>
+                <a:spcPct val="90000"/>
+              </a:lnSpc>
+              <a:buFont typeface="Wingdings" panose="05000000000000000000" pitchFamily="2" charset="2"/>
+              <a:buNone/>
+            </a:pPr>
+            <a:r>
+              <a:rPr lang="en-US" sz="2800" dirty="0"/>
+              <a:t>		   </a:t>
+            </a:r>
+          </a:p>
+        </p:txBody>
+      </p:sp>
+      <p:graphicFrame>
+        <p:nvGraphicFramePr>
+          <p:cNvPr id="19458" name="Object 4"/>
+          <p:cNvGraphicFramePr>
+            <a:graphicFrameLocks noChangeAspect="1"/>
+          </p:cNvGraphicFramePr>
+          <p:nvPr>
+            <p:extLst>
+              <p:ext uri="{D42A27DB-BD31-4B8C-83A1-F6EECF244321}">
+                <p14:modId xmlns:p14="http://schemas.microsoft.com/office/powerpoint/2010/main" val="271531234"/>
+              </p:ext>
+            </p:extLst>
+          </p:nvPr>
+        </p:nvGraphicFramePr>
+        <p:xfrm>
+          <a:off x="7141028" y="3864433"/>
+          <a:ext cx="2188028" cy="940468"/>
+        </p:xfrm>
+        <a:graphic>
+          <a:graphicData uri="http://schemas.openxmlformats.org/presentationml/2006/ole">
+            <mc:AlternateContent xmlns:mc="http://schemas.openxmlformats.org/markup-compatibility/2006">
+              <mc:Choice xmlns:v="urn:schemas-microsoft-com:vml" Requires="v">
+                <p:oleObj spid="_x0000_s3150" name="Equation" r:id="rId3" imgW="736560" imgH="393480" progId="Equation.3">
+                  <p:embed/>
+                </p:oleObj>
+              </mc:Choice>
+              <mc:Fallback>
+                <p:oleObj name="Equation" r:id="rId3" imgW="736560" imgH="393480" progId="Equation.3">
+                  <p:embed/>
+                  <p:pic>
+                    <p:nvPicPr>
+                      <p:cNvPr id="0" name=""/>
+                      <p:cNvPicPr>
+                        <a:picLocks noChangeAspect="1" noChangeArrowheads="1"/>
+                      </p:cNvPicPr>
+                      <p:nvPr/>
+                    </p:nvPicPr>
+                    <p:blipFill>
+                      <a:blip r:embed="rId4">
+                        <a:extLst>
+                          <a:ext uri="{28A0092B-C50C-407E-A947-70E740481C1C}">
+                            <a14:useLocalDpi xmlns:a14="http://schemas.microsoft.com/office/drawing/2010/main" val="0"/>
+                          </a:ext>
+                        </a:extLst>
+                      </a:blip>
+                      <a:srcRect/>
+                      <a:stretch>
+                        <a:fillRect/>
+                      </a:stretch>
+                    </p:blipFill>
+                    <p:spPr bwMode="auto">
+                      <a:xfrm>
+                        <a:off x="7141028" y="3864433"/>
+                        <a:ext cx="2188028" cy="940468"/>
+                      </a:xfrm>
+                      <a:prstGeom prst="rect">
+                        <a:avLst/>
+                      </a:prstGeom>
+                      <a:noFill/>
+                      <a:ln>
+                        <a:noFill/>
+                      </a:ln>
+                      <a:effectLst/>
+                      <a:extLst/>
+                    </p:spPr>
+                  </p:pic>
+                </p:oleObj>
+              </mc:Fallback>
+            </mc:AlternateContent>
+          </a:graphicData>
+        </a:graphic>
+      </p:graphicFrame>
+      <p:graphicFrame>
+        <p:nvGraphicFramePr>
+          <p:cNvPr id="19459" name="Object 5"/>
+          <p:cNvGraphicFramePr>
+            <a:graphicFrameLocks noChangeAspect="1"/>
+          </p:cNvGraphicFramePr>
+          <p:nvPr>
+            <p:extLst>
+              <p:ext uri="{D42A27DB-BD31-4B8C-83A1-F6EECF244321}">
+                <p14:modId xmlns:p14="http://schemas.microsoft.com/office/powerpoint/2010/main" val="229795022"/>
+              </p:ext>
+            </p:extLst>
+          </p:nvPr>
+        </p:nvGraphicFramePr>
+        <p:xfrm>
+          <a:off x="7163706" y="5175023"/>
+          <a:ext cx="3297465" cy="897739"/>
+        </p:xfrm>
+        <a:graphic>
+          <a:graphicData uri="http://schemas.openxmlformats.org/presentationml/2006/ole">
+            <mc:AlternateContent xmlns:mc="http://schemas.openxmlformats.org/markup-compatibility/2006">
+              <mc:Choice xmlns:v="urn:schemas-microsoft-com:vml" Requires="v">
+                <p:oleObj spid="_x0000_s3151" name="Equation" r:id="rId5" imgW="1447560" imgH="419040" progId="Equation.3">
+                  <p:embed/>
+                </p:oleObj>
+              </mc:Choice>
+              <mc:Fallback>
+                <p:oleObj name="Equation" r:id="rId5" imgW="1447560" imgH="419040" progId="Equation.3">
+                  <p:embed/>
+                  <p:pic>
+                    <p:nvPicPr>
+                      <p:cNvPr id="0" name=""/>
+                      <p:cNvPicPr>
+                        <a:picLocks noChangeAspect="1" noChangeArrowheads="1"/>
+                      </p:cNvPicPr>
+                      <p:nvPr/>
+                    </p:nvPicPr>
+                    <p:blipFill>
+                      <a:blip r:embed="rId6">
+                        <a:extLst>
+                          <a:ext uri="{28A0092B-C50C-407E-A947-70E740481C1C}">
+                            <a14:useLocalDpi xmlns:a14="http://schemas.microsoft.com/office/drawing/2010/main" val="0"/>
+                          </a:ext>
+                        </a:extLst>
+                      </a:blip>
+                      <a:srcRect/>
+                      <a:stretch>
+                        <a:fillRect/>
+                      </a:stretch>
+                    </p:blipFill>
+                    <p:spPr bwMode="auto">
+                      <a:xfrm>
+                        <a:off x="7163706" y="5175023"/>
+                        <a:ext cx="3297465" cy="897739"/>
+                      </a:xfrm>
+                      <a:prstGeom prst="rect">
+                        <a:avLst/>
+                      </a:prstGeom>
+                      <a:noFill/>
+                      <a:ln>
+                        <a:noFill/>
+                      </a:ln>
+                      <a:effectLst/>
+                      <a:extLst/>
+                    </p:spPr>
+                  </p:pic>
+                </p:oleObj>
+              </mc:Fallback>
+            </mc:AlternateContent>
+          </a:graphicData>
+        </a:graphic>
+      </p:graphicFrame>
+    </p:spTree>
+    <p:extLst>
+      <p:ext uri="{BB962C8B-B14F-4D97-AF65-F5344CB8AC3E}">
+        <p14:creationId xmlns:p14="http://schemas.microsoft.com/office/powerpoint/2010/main" val="1719225996"/>
       </p:ext>
     </p:extLst>
   </p:cSld>

--- a/Applied Data Science - Regression.pptx
+++ b/Applied Data Science - Regression.pptx
@@ -5,7 +5,7 @@
     <p:sldMasterId id="2147483833" r:id="rId1"/>
   </p:sldMasterIdLst>
   <p:notesMasterIdLst>
-    <p:notesMasterId r:id="rId18"/>
+    <p:notesMasterId r:id="rId20"/>
   </p:notesMasterIdLst>
   <p:sldIdLst>
     <p:sldId id="256" r:id="rId2"/>
@@ -20,10 +20,12 @@
     <p:sldId id="340" r:id="rId11"/>
     <p:sldId id="341" r:id="rId12"/>
     <p:sldId id="315" r:id="rId13"/>
-    <p:sldId id="339" r:id="rId14"/>
-    <p:sldId id="328" r:id="rId15"/>
-    <p:sldId id="329" r:id="rId16"/>
-    <p:sldId id="332" r:id="rId17"/>
+    <p:sldId id="344" r:id="rId14"/>
+    <p:sldId id="343" r:id="rId15"/>
+    <p:sldId id="339" r:id="rId16"/>
+    <p:sldId id="328" r:id="rId17"/>
+    <p:sldId id="329" r:id="rId18"/>
+    <p:sldId id="332" r:id="rId19"/>
   </p:sldIdLst>
   <p:sldSz cx="12192000" cy="6858000"/>
   <p:notesSz cx="6858000" cy="9144000"/>
@@ -212,7 +214,7 @@
           <a:p>
             <a:fld id="{F1D2C95C-E6C5-47EE-A945-EBB416EE6C3F}" type="datetimeFigureOut">
               <a:rPr lang="en-US" smtClean="0"/>
-              <a:t>5/8/2017</a:t>
+              <a:t>5/10/2017</a:t>
             </a:fld>
             <a:endParaRPr lang="en-US"/>
           </a:p>
@@ -843,7 +845,7 @@
           <a:p>
             <a:fld id="{BF4D7DE9-04F8-4F0B-A692-02FE1DAE9F6D}" type="datetimeFigureOut">
               <a:rPr lang="en-US" smtClean="0"/>
-              <a:t>5/8/2017</a:t>
+              <a:t>5/10/2017</a:t>
             </a:fld>
             <a:endParaRPr lang="en-US"/>
           </a:p>
@@ -1108,7 +1110,7 @@
           <a:p>
             <a:fld id="{BF4D7DE9-04F8-4F0B-A692-02FE1DAE9F6D}" type="datetimeFigureOut">
               <a:rPr lang="en-US" smtClean="0"/>
-              <a:t>5/8/2017</a:t>
+              <a:t>5/10/2017</a:t>
             </a:fld>
             <a:endParaRPr lang="en-US"/>
           </a:p>
@@ -1288,7 +1290,7 @@
           <a:p>
             <a:fld id="{BF4D7DE9-04F8-4F0B-A692-02FE1DAE9F6D}" type="datetimeFigureOut">
               <a:rPr lang="en-US" smtClean="0"/>
-              <a:t>5/8/2017</a:t>
+              <a:t>5/10/2017</a:t>
             </a:fld>
             <a:endParaRPr lang="en-US"/>
           </a:p>
@@ -1418,7 +1420,7 @@
           <a:p>
             <a:fld id="{BF4D7DE9-04F8-4F0B-A692-02FE1DAE9F6D}" type="datetimeFigureOut">
               <a:rPr lang="en-US" smtClean="0"/>
-              <a:t>5/9/2017</a:t>
+              <a:t>5/10/2017</a:t>
             </a:fld>
             <a:endParaRPr lang="en-US"/>
           </a:p>
@@ -1702,7 +1704,7 @@
           <a:p>
             <a:fld id="{BF4D7DE9-04F8-4F0B-A692-02FE1DAE9F6D}" type="datetimeFigureOut">
               <a:rPr lang="en-US" smtClean="0"/>
-              <a:t>5/8/2017</a:t>
+              <a:t>5/10/2017</a:t>
             </a:fld>
             <a:endParaRPr lang="en-US"/>
           </a:p>
@@ -1966,7 +1968,7 @@
           <a:p>
             <a:fld id="{BF4D7DE9-04F8-4F0B-A692-02FE1DAE9F6D}" type="datetimeFigureOut">
               <a:rPr lang="en-US" smtClean="0"/>
-              <a:t>5/8/2017</a:t>
+              <a:t>5/10/2017</a:t>
             </a:fld>
             <a:endParaRPr lang="en-US"/>
           </a:p>
@@ -2345,7 +2347,7 @@
           <a:p>
             <a:fld id="{BF4D7DE9-04F8-4F0B-A692-02FE1DAE9F6D}" type="datetimeFigureOut">
               <a:rPr lang="en-US" smtClean="0"/>
-              <a:t>5/8/2017</a:t>
+              <a:t>5/10/2017</a:t>
             </a:fld>
             <a:endParaRPr lang="en-US"/>
           </a:p>
@@ -2802,7 +2804,7 @@
           <a:p>
             <a:fld id="{BF4D7DE9-04F8-4F0B-A692-02FE1DAE9F6D}" type="datetimeFigureOut">
               <a:rPr lang="en-US" smtClean="0"/>
-              <a:t>5/8/2017</a:t>
+              <a:t>5/10/2017</a:t>
             </a:fld>
             <a:endParaRPr lang="en-US"/>
           </a:p>
@@ -2927,7 +2929,7 @@
           <a:p>
             <a:fld id="{BF4D7DE9-04F8-4F0B-A692-02FE1DAE9F6D}" type="datetimeFigureOut">
               <a:rPr lang="en-US" smtClean="0"/>
-              <a:t>5/8/2017</a:t>
+              <a:t>5/10/2017</a:t>
             </a:fld>
             <a:endParaRPr lang="en-US"/>
           </a:p>
@@ -3029,7 +3031,7 @@
           <a:p>
             <a:fld id="{BF4D7DE9-04F8-4F0B-A692-02FE1DAE9F6D}" type="datetimeFigureOut">
               <a:rPr lang="en-US" smtClean="0"/>
-              <a:t>5/8/2017</a:t>
+              <a:t>5/10/2017</a:t>
             </a:fld>
             <a:endParaRPr lang="en-US"/>
           </a:p>
@@ -3324,7 +3326,7 @@
           <a:p>
             <a:fld id="{BF4D7DE9-04F8-4F0B-A692-02FE1DAE9F6D}" type="datetimeFigureOut">
               <a:rPr lang="en-US" smtClean="0"/>
-              <a:t>5/8/2017</a:t>
+              <a:t>5/10/2017</a:t>
             </a:fld>
             <a:endParaRPr lang="en-US"/>
           </a:p>
@@ -3609,7 +3611,7 @@
           <a:p>
             <a:fld id="{BF4D7DE9-04F8-4F0B-A692-02FE1DAE9F6D}" type="datetimeFigureOut">
               <a:rPr lang="en-US" smtClean="0"/>
-              <a:t>5/8/2017</a:t>
+              <a:t>5/10/2017</a:t>
             </a:fld>
             <a:endParaRPr lang="en-US"/>
           </a:p>
@@ -3859,7 +3861,7 @@
           <a:p>
             <a:fld id="{BF4D7DE9-04F8-4F0B-A692-02FE1DAE9F6D}" type="datetimeFigureOut">
               <a:rPr lang="en-US" smtClean="0"/>
-              <a:t>5/8/2017</a:t>
+              <a:t>5/10/2017</a:t>
             </a:fld>
             <a:endParaRPr lang="en-US"/>
           </a:p>
@@ -4549,11 +4551,7 @@
             </a:pPr>
             <a:r>
               <a:rPr lang="en-US" dirty="0" smtClean="0"/>
-              <a:t>The </a:t>
-            </a:r>
-            <a:r>
-              <a:rPr lang="en-US" dirty="0" smtClean="0"/>
-              <a:t>variables with the largest magnitude have the highest correlation with the output</a:t>
+              <a:t>The variables with the largest magnitude have the highest correlation with the output</a:t>
             </a:r>
           </a:p>
           <a:p>
@@ -4935,11 +4933,7 @@
             </a:pPr>
             <a:r>
               <a:rPr lang="en-US" dirty="0" smtClean="0"/>
-              <a:t>Doesn’t </a:t>
-            </a:r>
-            <a:r>
-              <a:rPr lang="en-US" dirty="0" smtClean="0"/>
-              <a:t>handle missing values well</a:t>
+              <a:t>Doesn’t handle missing values well</a:t>
             </a:r>
           </a:p>
           <a:p>
@@ -4959,11 +4953,7 @@
             </a:pPr>
             <a:r>
               <a:rPr lang="en-US" dirty="0" smtClean="0"/>
-              <a:t>Assumes linear </a:t>
-            </a:r>
-            <a:r>
-              <a:rPr lang="en-US" dirty="0" smtClean="0"/>
-              <a:t>relationships</a:t>
+              <a:t>Assumes linear relationships</a:t>
             </a:r>
           </a:p>
           <a:p>
@@ -4975,7 +4965,6 @@
               <a:rPr lang="en-US" dirty="0" smtClean="0"/>
               <a:t>Assumes errors are distributed normally with constant variance (if not, apply transformations)</a:t>
             </a:r>
-            <a:endParaRPr lang="en-US" dirty="0" smtClean="0"/>
           </a:p>
           <a:p>
             <a:pPr marL="457200" indent="-457200">
@@ -4992,11 +4981,7 @@
             </a:r>
             <a:r>
               <a:rPr lang="en-US" dirty="0" smtClean="0"/>
-              <a:t> </a:t>
-            </a:r>
-            <a:r>
-              <a:rPr lang="en-US" dirty="0" smtClean="0"/>
-              <a:t>well</a:t>
+              <a:t> well</a:t>
             </a:r>
           </a:p>
           <a:p>
@@ -5018,6 +5003,308 @@
 </file>
 
 <file path=ppt/slides/slide13.xml><?xml version="1.0" encoding="utf-8"?>
+<p:sld xmlns:a="http://schemas.openxmlformats.org/drawingml/2006/main" xmlns:r="http://schemas.openxmlformats.org/officeDocument/2006/relationships" xmlns:p="http://schemas.openxmlformats.org/presentationml/2006/main">
+  <p:cSld>
+    <p:spTree>
+      <p:nvGrpSpPr>
+        <p:cNvPr id="1" name=""/>
+        <p:cNvGrpSpPr/>
+        <p:nvPr/>
+      </p:nvGrpSpPr>
+      <p:grpSpPr>
+        <a:xfrm>
+          <a:off x="0" y="0"/>
+          <a:ext cx="0" cy="0"/>
+          <a:chOff x="0" y="0"/>
+          <a:chExt cx="0" cy="0"/>
+        </a:xfrm>
+      </p:grpSpPr>
+      <p:sp>
+        <p:nvSpPr>
+          <p:cNvPr id="2" name="Title 1"/>
+          <p:cNvSpPr>
+            <a:spLocks noGrp="1"/>
+          </p:cNvSpPr>
+          <p:nvPr>
+            <p:ph type="title"/>
+          </p:nvPr>
+        </p:nvSpPr>
+        <p:spPr/>
+        <p:txBody>
+          <a:bodyPr/>
+          <a:lstStyle/>
+          <a:p>
+            <a:r>
+              <a:rPr lang="en-US" dirty="0" smtClean="0"/>
+              <a:t>R</a:t>
+            </a:r>
+            <a:r>
+              <a:rPr lang="en-US" baseline="30000" dirty="0" smtClean="0"/>
+              <a:t>2</a:t>
+            </a:r>
+            <a:endParaRPr lang="he-IL" baseline="30000" dirty="0"/>
+          </a:p>
+        </p:txBody>
+      </p:sp>
+      <p:sp>
+        <p:nvSpPr>
+          <p:cNvPr id="3" name="Content Placeholder 2"/>
+          <p:cNvSpPr>
+            <a:spLocks noGrp="1"/>
+          </p:cNvSpPr>
+          <p:nvPr>
+            <p:ph idx="1"/>
+          </p:nvPr>
+        </p:nvSpPr>
+        <p:spPr/>
+        <p:txBody>
+          <a:bodyPr/>
+          <a:lstStyle/>
+          <a:p>
+            <a:endParaRPr lang="he-IL"/>
+          </a:p>
+        </p:txBody>
+      </p:sp>
+      <p:pic>
+        <p:nvPicPr>
+          <p:cNvPr id="4" name="Picture 3"/>
+          <p:cNvPicPr>
+            <a:picLocks noChangeAspect="1"/>
+          </p:cNvPicPr>
+          <p:nvPr/>
+        </p:nvPicPr>
+        <p:blipFill>
+          <a:blip r:embed="rId2"/>
+          <a:stretch>
+            <a:fillRect/>
+          </a:stretch>
+        </p:blipFill>
+        <p:spPr>
+          <a:xfrm>
+            <a:off x="1019854" y="2046509"/>
+            <a:ext cx="7172473" cy="4566557"/>
+          </a:xfrm>
+          <a:prstGeom prst="rect">
+            <a:avLst/>
+          </a:prstGeom>
+        </p:spPr>
+      </p:pic>
+      <p:sp>
+        <p:nvSpPr>
+          <p:cNvPr id="5" name="Rectangle 4"/>
+          <p:cNvSpPr/>
+          <p:nvPr/>
+        </p:nvSpPr>
+        <p:spPr>
+          <a:xfrm>
+            <a:off x="5279571" y="1687286"/>
+            <a:ext cx="3254829" cy="751114"/>
+          </a:xfrm>
+          <a:prstGeom prst="rect">
+            <a:avLst/>
+          </a:prstGeom>
+          <a:solidFill>
+            <a:schemeClr val="bg1"/>
+          </a:solidFill>
+          <a:ln>
+            <a:solidFill>
+              <a:schemeClr val="bg1"/>
+            </a:solidFill>
+          </a:ln>
+        </p:spPr>
+        <p:style>
+          <a:lnRef idx="2">
+            <a:schemeClr val="accent1">
+              <a:shade val="50000"/>
+            </a:schemeClr>
+          </a:lnRef>
+          <a:fillRef idx="1">
+            <a:schemeClr val="accent1"/>
+          </a:fillRef>
+          <a:effectRef idx="0">
+            <a:schemeClr val="accent1"/>
+          </a:effectRef>
+          <a:fontRef idx="minor">
+            <a:schemeClr val="lt1"/>
+          </a:fontRef>
+        </p:style>
+        <p:txBody>
+          <a:bodyPr rtlCol="1" anchor="ctr"/>
+          <a:lstStyle/>
+          <a:p>
+            <a:pPr algn="ctr"/>
+            <a:endParaRPr lang="he-IL"/>
+          </a:p>
+        </p:txBody>
+      </p:sp>
+    </p:spTree>
+    <p:extLst>
+      <p:ext uri="{BB962C8B-B14F-4D97-AF65-F5344CB8AC3E}">
+        <p14:creationId xmlns:p14="http://schemas.microsoft.com/office/powerpoint/2010/main" val="1454272261"/>
+      </p:ext>
+    </p:extLst>
+  </p:cSld>
+  <p:clrMapOvr>
+    <a:masterClrMapping/>
+  </p:clrMapOvr>
+</p:sld>
+</file>
+
+<file path=ppt/slides/slide14.xml><?xml version="1.0" encoding="utf-8"?>
+<p:sld xmlns:a="http://schemas.openxmlformats.org/drawingml/2006/main" xmlns:r="http://schemas.openxmlformats.org/officeDocument/2006/relationships" xmlns:p="http://schemas.openxmlformats.org/presentationml/2006/main">
+  <p:cSld>
+    <p:spTree>
+      <p:nvGrpSpPr>
+        <p:cNvPr id="1" name=""/>
+        <p:cNvGrpSpPr/>
+        <p:nvPr/>
+      </p:nvGrpSpPr>
+      <p:grpSpPr>
+        <a:xfrm>
+          <a:off x="0" y="0"/>
+          <a:ext cx="0" cy="0"/>
+          <a:chOff x="0" y="0"/>
+          <a:chExt cx="0" cy="0"/>
+        </a:xfrm>
+      </p:grpSpPr>
+      <p:sp>
+        <p:nvSpPr>
+          <p:cNvPr id="2" name="Title 1"/>
+          <p:cNvSpPr>
+            <a:spLocks noGrp="1"/>
+          </p:cNvSpPr>
+          <p:nvPr>
+            <p:ph type="title"/>
+          </p:nvPr>
+        </p:nvSpPr>
+        <p:spPr/>
+        <p:txBody>
+          <a:bodyPr/>
+          <a:lstStyle/>
+          <a:p>
+            <a:r>
+              <a:rPr lang="en-US" dirty="0" smtClean="0"/>
+              <a:t>Adjusted R</a:t>
+            </a:r>
+            <a:r>
+              <a:rPr lang="en-US" baseline="30000" dirty="0" smtClean="0"/>
+              <a:t>2</a:t>
+            </a:r>
+            <a:endParaRPr lang="he-IL" baseline="30000" dirty="0"/>
+          </a:p>
+        </p:txBody>
+      </p:sp>
+      <p:sp>
+        <p:nvSpPr>
+          <p:cNvPr id="3" name="Content Placeholder 2"/>
+          <p:cNvSpPr>
+            <a:spLocks noGrp="1"/>
+          </p:cNvSpPr>
+          <p:nvPr>
+            <p:ph idx="1"/>
+          </p:nvPr>
+        </p:nvSpPr>
+        <p:spPr/>
+        <p:txBody>
+          <a:bodyPr/>
+          <a:lstStyle/>
+          <a:p>
+            <a:r>
+              <a:rPr lang="en-US" dirty="0"/>
+              <a:t>In least squares regression, R2 is weakly increasing with increases in the number of </a:t>
+            </a:r>
+            <a:r>
+              <a:rPr lang="en-US" dirty="0" err="1"/>
+              <a:t>regressors</a:t>
+            </a:r>
+            <a:r>
+              <a:rPr lang="en-US" dirty="0"/>
+              <a:t> in the </a:t>
+            </a:r>
+            <a:r>
+              <a:rPr lang="en-US" dirty="0" smtClean="0"/>
+              <a:t>model.</a:t>
+            </a:r>
+          </a:p>
+          <a:p>
+            <a:r>
+              <a:rPr lang="en-US" dirty="0" smtClean="0"/>
+              <a:t>The adjusted R</a:t>
+            </a:r>
+            <a:r>
+              <a:rPr lang="en-US" baseline="30000" dirty="0" smtClean="0"/>
+              <a:t>2</a:t>
+            </a:r>
+            <a:r>
+              <a:rPr lang="en-US" dirty="0" smtClean="0"/>
+              <a:t> corrects for this by considering the number of variables used:</a:t>
+            </a:r>
+            <a:endParaRPr lang="he-IL" dirty="0"/>
+          </a:p>
+        </p:txBody>
+      </p:sp>
+      <p:pic>
+        <p:nvPicPr>
+          <p:cNvPr id="4" name="Picture 3"/>
+          <p:cNvPicPr>
+            <a:picLocks noChangeAspect="1"/>
+          </p:cNvPicPr>
+          <p:nvPr/>
+        </p:nvPicPr>
+        <p:blipFill>
+          <a:blip r:embed="rId2"/>
+          <a:stretch>
+            <a:fillRect/>
+          </a:stretch>
+        </p:blipFill>
+        <p:spPr>
+          <a:xfrm>
+            <a:off x="2274434" y="3922260"/>
+            <a:ext cx="7077075" cy="885825"/>
+          </a:xfrm>
+          <a:prstGeom prst="rect">
+            <a:avLst/>
+          </a:prstGeom>
+        </p:spPr>
+      </p:pic>
+      <p:pic>
+        <p:nvPicPr>
+          <p:cNvPr id="5" name="Picture 4"/>
+          <p:cNvPicPr>
+            <a:picLocks noChangeAspect="1"/>
+          </p:cNvPicPr>
+          <p:nvPr/>
+        </p:nvPicPr>
+        <p:blipFill>
+          <a:blip r:embed="rId3"/>
+          <a:stretch>
+            <a:fillRect/>
+          </a:stretch>
+        </p:blipFill>
+        <p:spPr>
+          <a:xfrm>
+            <a:off x="2250622" y="4673373"/>
+            <a:ext cx="2705100" cy="1038225"/>
+          </a:xfrm>
+          <a:prstGeom prst="rect">
+            <a:avLst/>
+          </a:prstGeom>
+        </p:spPr>
+      </p:pic>
+    </p:spTree>
+    <p:extLst>
+      <p:ext uri="{BB962C8B-B14F-4D97-AF65-F5344CB8AC3E}">
+        <p14:creationId xmlns:p14="http://schemas.microsoft.com/office/powerpoint/2010/main" val="2261540440"/>
+      </p:ext>
+    </p:extLst>
+  </p:cSld>
+  <p:clrMapOvr>
+    <a:masterClrMapping/>
+  </p:clrMapOvr>
+</p:sld>
+</file>
+
+<file path=ppt/slides/slide15.xml><?xml version="1.0" encoding="utf-8"?>
 <p:sld xmlns:a="http://schemas.openxmlformats.org/drawingml/2006/main" xmlns:r="http://schemas.openxmlformats.org/officeDocument/2006/relationships" xmlns:p="http://schemas.openxmlformats.org/presentationml/2006/main">
   <p:cSld>
     <p:spTree>
@@ -5209,7 +5496,7 @@
 </p:sld>
 </file>
 
-<file path=ppt/slides/slide14.xml><?xml version="1.0" encoding="utf-8"?>
+<file path=ppt/slides/slide16.xml><?xml version="1.0" encoding="utf-8"?>
 <p:sld xmlns:a="http://schemas.openxmlformats.org/drawingml/2006/main" xmlns:r="http://schemas.openxmlformats.org/officeDocument/2006/relationships" xmlns:p="http://schemas.openxmlformats.org/presentationml/2006/main">
   <p:cSld>
     <p:spTree>
@@ -5559,7 +5846,7 @@
           <a:graphicData uri="http://schemas.openxmlformats.org/presentationml/2006/ole">
             <mc:AlternateContent xmlns:mc="http://schemas.openxmlformats.org/markup-compatibility/2006">
               <mc:Choice xmlns:v="urn:schemas-microsoft-com:vml" Requires="v">
-                <p:oleObj spid="_x0000_s4136" name="Equation" r:id="rId3" imgW="1333440" imgH="444240" progId="Equation.3">
+                <p:oleObj spid="_x0000_s4140" name="Equation" r:id="rId3" imgW="1333440" imgH="444240" progId="Equation.3">
                   <p:embed/>
                 </p:oleObj>
               </mc:Choice>
@@ -5859,7 +6146,7 @@
 </p:sld>
 </file>
 
-<file path=ppt/slides/slide15.xml><?xml version="1.0" encoding="utf-8"?>
+<file path=ppt/slides/slide17.xml><?xml version="1.0" encoding="utf-8"?>
 <p:sld xmlns:a="http://schemas.openxmlformats.org/drawingml/2006/main" xmlns:r="http://schemas.openxmlformats.org/officeDocument/2006/relationships" xmlns:p="http://schemas.openxmlformats.org/presentationml/2006/main">
   <p:cSld>
     <p:spTree>
@@ -6058,8 +6345,8 @@
 </p:sld>
 </file>
 
-<file path=ppt/slides/slide16.xml><?xml version="1.0" encoding="utf-8"?>
-<p:sld xmlns:a="http://schemas.openxmlformats.org/drawingml/2006/main" xmlns:r="http://schemas.openxmlformats.org/officeDocument/2006/relationships" xmlns:p="http://schemas.openxmlformats.org/presentationml/2006/main">
+<file path=ppt/slides/slide18.xml><?xml version="1.0" encoding="utf-8"?>
+<p:sld xmlns:a="http://schemas.openxmlformats.org/drawingml/2006/main" xmlns:r="http://schemas.openxmlformats.org/officeDocument/2006/relationships" xmlns:p="http://schemas.openxmlformats.org/presentationml/2006/main" show="0">
   <p:cSld>
     <p:spTree>
       <p:nvGrpSpPr>
@@ -6183,7 +6470,7 @@
           <a:graphicData uri="http://schemas.openxmlformats.org/presentationml/2006/ole">
             <mc:AlternateContent xmlns:mc="http://schemas.openxmlformats.org/markup-compatibility/2006">
               <mc:Choice xmlns:v="urn:schemas-microsoft-com:vml" Requires="v">
-                <p:oleObj spid="_x0000_s5160" name="Equation" r:id="rId3" imgW="901440" imgH="419040" progId="Equation.3">
+                <p:oleObj spid="_x0000_s5164" name="Equation" r:id="rId3" imgW="901440" imgH="419040" progId="Equation.3">
                   <p:embed/>
                 </p:oleObj>
               </mc:Choice>
@@ -6485,6 +6772,14 @@
   <p:clrMapOvr>
     <a:masterClrMapping/>
   </p:clrMapOvr>
+  <mc:AlternateContent xmlns:mc="http://schemas.openxmlformats.org/markup-compatibility/2006">
+    <mc:Choice xmlns:p14="http://schemas.microsoft.com/office/powerpoint/2010/main" Requires="p14">
+      <p:transition spd="slow" p14:dur="2000"/>
+    </mc:Choice>
+    <mc:Fallback>
+      <p:transition spd="slow"/>
+    </mc:Fallback>
+  </mc:AlternateContent>
   <p:timing>
     <p:tnLst>
       <p:par>
@@ -7457,13 +7752,13 @@
   <p:clrMapOvr>
     <a:masterClrMapping/>
   </p:clrMapOvr>
-  <mc:AlternateContent xmlns:mc="http://schemas.openxmlformats.org/markup-compatibility/2006">
-    <mc:Choice xmlns:p14="http://schemas.microsoft.com/office/powerpoint/2010/main" Requires="p14">
+  <mc:AlternateContent xmlns:mc="http://schemas.openxmlformats.org/markup-compatibility/2006" xmlns:p14="http://schemas.microsoft.com/office/powerpoint/2010/main">
+    <mc:Choice Requires="p14">
       <p:transition spd="med" p14:dur="700">
         <p:fade/>
       </p:transition>
     </mc:Choice>
-    <mc:Fallback>
+    <mc:Fallback xmlns="">
       <p:transition spd="med">
         <p:fade/>
       </p:transition>
@@ -7856,7 +8151,7 @@
           <a:graphicData uri="http://schemas.openxmlformats.org/presentationml/2006/ole">
             <mc:AlternateContent xmlns:mc="http://schemas.openxmlformats.org/markup-compatibility/2006">
               <mc:Choice xmlns:v="urn:schemas-microsoft-com:vml" Requires="v">
-                <p:oleObj spid="_x0000_s3150" name="Equation" r:id="rId3" imgW="736560" imgH="393480" progId="Equation.3">
+                <p:oleObj spid="_x0000_s3158" name="Equation" r:id="rId3" imgW="736560" imgH="393480" progId="Equation.3">
                   <p:embed/>
                 </p:oleObj>
               </mc:Choice>
@@ -7928,7 +8223,7 @@
           <a:graphicData uri="http://schemas.openxmlformats.org/presentationml/2006/ole">
             <mc:AlternateContent xmlns:mc="http://schemas.openxmlformats.org/markup-compatibility/2006">
               <mc:Choice xmlns:v="urn:schemas-microsoft-com:vml" Requires="v">
-                <p:oleObj spid="_x0000_s3151" name="Equation" r:id="rId5" imgW="1447560" imgH="419040" progId="Equation.3">
+                <p:oleObj spid="_x0000_s3159" name="Equation" r:id="rId5" imgW="1447560" imgH="419040" progId="Equation.3">
                   <p:embed/>
                 </p:oleObj>
               </mc:Choice>
